--- a/others/Presentatie 2, 18-5-2018.pptx
+++ b/others/Presentatie 2, 18-5-2018.pptx
@@ -5,7 +5,7 @@
     <p:sldMasterId id="2147483809" r:id="rId1"/>
   </p:sldMasterIdLst>
   <p:notesMasterIdLst>
-    <p:notesMasterId r:id="rId20"/>
+    <p:notesMasterId r:id="rId21"/>
   </p:notesMasterIdLst>
   <p:sldIdLst>
     <p:sldId id="256" r:id="rId2"/>
@@ -18,14 +18,15 @@
     <p:sldId id="263" r:id="rId9"/>
     <p:sldId id="262" r:id="rId10"/>
     <p:sldId id="264" r:id="rId11"/>
-    <p:sldId id="272" r:id="rId12"/>
-    <p:sldId id="266" r:id="rId13"/>
+    <p:sldId id="266" r:id="rId12"/>
+    <p:sldId id="275" r:id="rId13"/>
     <p:sldId id="267" r:id="rId14"/>
     <p:sldId id="271" r:id="rId15"/>
     <p:sldId id="268" r:id="rId16"/>
     <p:sldId id="269" r:id="rId17"/>
     <p:sldId id="270" r:id="rId18"/>
-    <p:sldId id="273" r:id="rId19"/>
+    <p:sldId id="274" r:id="rId19"/>
+    <p:sldId id="273" r:id="rId20"/>
   </p:sldIdLst>
   <p:sldSz cx="12192000" cy="6858000"/>
   <p:notesSz cx="6858000" cy="9144000"/>
@@ -139,20 +140,21 @@
             <p14:sldId id="263"/>
             <p14:sldId id="262"/>
             <p14:sldId id="264"/>
-            <p14:sldId id="272"/>
             <p14:sldId id="266"/>
+            <p14:sldId id="275"/>
             <p14:sldId id="267"/>
             <p14:sldId id="271"/>
             <p14:sldId id="268"/>
             <p14:sldId id="269"/>
             <p14:sldId id="270"/>
+            <p14:sldId id="274"/>
             <p14:sldId id="273"/>
           </p14:sldIdLst>
         </p14:section>
       </p14:sectionLst>
     </p:ext>
     <p:ext uri="{EFAFB233-063F-42B5-8137-9DF3F51BA10A}">
-      <p15:sldGuideLst xmlns:p15="http://schemas.microsoft.com/office/powerpoint/2012/main" xmlns=""/>
+      <p15:sldGuideLst xmlns="" xmlns:p15="http://schemas.microsoft.com/office/powerpoint/2012/main"/>
     </p:ext>
   </p:extLst>
 </p:presentation>
@@ -240,7 +242,7 @@
           <a:p>
             <a:fld id="{0D6C05FB-024D-2C4C-BB3B-E1E53736A80E}" type="datetimeFigureOut">
               <a:rPr lang="en-US" smtClean="0"/>
-              <a:t>5/15/2018</a:t>
+              <a:t>5/17/2018</a:t>
             </a:fld>
             <a:endParaRPr lang="en-US"/>
           </a:p>
@@ -2088,7 +2090,7 @@
           <a:p>
             <a:fld id="{70945425-7C7D-9144-B819-6CD76EA7E80C}" type="datetimeFigureOut">
               <a:rPr lang="en-US" smtClean="0"/>
-              <a:t>5/15/2018</a:t>
+              <a:t>5/17/2018</a:t>
             </a:fld>
             <a:endParaRPr lang="en-US"/>
           </a:p>
@@ -2350,7 +2352,7 @@
           <a:p>
             <a:fld id="{70945425-7C7D-9144-B819-6CD76EA7E80C}" type="datetimeFigureOut">
               <a:rPr lang="en-US" smtClean="0"/>
-              <a:t>5/15/2018</a:t>
+              <a:t>5/17/2018</a:t>
             </a:fld>
             <a:endParaRPr lang="en-US"/>
           </a:p>
@@ -2585,7 +2587,7 @@
           <a:p>
             <a:fld id="{70945425-7C7D-9144-B819-6CD76EA7E80C}" type="datetimeFigureOut">
               <a:rPr lang="en-US" smtClean="0"/>
-              <a:t>5/15/2018</a:t>
+              <a:t>5/17/2018</a:t>
             </a:fld>
             <a:endParaRPr lang="en-US"/>
           </a:p>
@@ -2825,7 +2827,7 @@
           <a:p>
             <a:fld id="{70945425-7C7D-9144-B819-6CD76EA7E80C}" type="datetimeFigureOut">
               <a:rPr lang="en-US" smtClean="0"/>
-              <a:t>5/15/2018</a:t>
+              <a:t>5/17/2018</a:t>
             </a:fld>
             <a:endParaRPr lang="en-US"/>
           </a:p>
@@ -3132,7 +3134,7 @@
           <a:p>
             <a:fld id="{70945425-7C7D-9144-B819-6CD76EA7E80C}" type="datetimeFigureOut">
               <a:rPr lang="en-US" smtClean="0"/>
-              <a:t>5/15/2018</a:t>
+              <a:t>5/17/2018</a:t>
             </a:fld>
             <a:endParaRPr lang="en-US"/>
           </a:p>
@@ -3434,7 +3436,7 @@
           <a:p>
             <a:fld id="{70945425-7C7D-9144-B819-6CD76EA7E80C}" type="datetimeFigureOut">
               <a:rPr lang="en-US" smtClean="0"/>
-              <a:t>5/15/2018</a:t>
+              <a:t>5/17/2018</a:t>
             </a:fld>
             <a:endParaRPr lang="en-US"/>
           </a:p>
@@ -3856,7 +3858,7 @@
           <a:p>
             <a:fld id="{70945425-7C7D-9144-B819-6CD76EA7E80C}" type="datetimeFigureOut">
               <a:rPr lang="en-US" smtClean="0"/>
-              <a:t>5/15/2018</a:t>
+              <a:t>5/17/2018</a:t>
             </a:fld>
             <a:endParaRPr lang="en-US"/>
           </a:p>
@@ -4018,7 +4020,7 @@
           <a:p>
             <a:fld id="{70945425-7C7D-9144-B819-6CD76EA7E80C}" type="datetimeFigureOut">
               <a:rPr lang="en-US" smtClean="0"/>
-              <a:t>5/15/2018</a:t>
+              <a:t>5/17/2018</a:t>
             </a:fld>
             <a:endParaRPr lang="en-US"/>
           </a:p>
@@ -4113,7 +4115,7 @@
           <a:p>
             <a:fld id="{70945425-7C7D-9144-B819-6CD76EA7E80C}" type="datetimeFigureOut">
               <a:rPr lang="en-US" smtClean="0"/>
-              <a:t>5/15/2018</a:t>
+              <a:t>5/17/2018</a:t>
             </a:fld>
             <a:endParaRPr lang="en-US"/>
           </a:p>
@@ -4491,7 +4493,7 @@
           <a:p>
             <a:fld id="{70945425-7C7D-9144-B819-6CD76EA7E80C}" type="datetimeFigureOut">
               <a:rPr lang="en-US" smtClean="0"/>
-              <a:t>5/15/2018</a:t>
+              <a:t>5/17/2018</a:t>
             </a:fld>
             <a:endParaRPr lang="en-US"/>
           </a:p>
@@ -4780,7 +4782,7 @@
           <a:p>
             <a:fld id="{70945425-7C7D-9144-B819-6CD76EA7E80C}" type="datetimeFigureOut">
               <a:rPr lang="en-US" smtClean="0"/>
-              <a:t>5/15/2018</a:t>
+              <a:t>5/17/2018</a:t>
             </a:fld>
             <a:endParaRPr lang="en-US"/>
           </a:p>
@@ -4991,7 +4993,7 @@
           <a:p>
             <a:fld id="{70945425-7C7D-9144-B819-6CD76EA7E80C}" type="datetimeFigureOut">
               <a:rPr lang="en-US" smtClean="0"/>
-              <a:t>5/15/2018</a:t>
+              <a:t>5/17/2018</a:t>
             </a:fld>
             <a:endParaRPr lang="en-US"/>
           </a:p>
@@ -5574,7 +5576,7 @@
   </p:txStyles>
   <p:extLst>
     <p:ext uri="{27BBF7A9-308A-43DC-89C8-2F10F3537804}">
-      <p15:sldGuideLst xmlns:p15="http://schemas.microsoft.com/office/powerpoint/2012/main" xmlns=""/>
+      <p15:sldGuideLst xmlns="" xmlns:p15="http://schemas.microsoft.com/office/powerpoint/2012/main"/>
     </p:ext>
   </p:extLst>
 </p:sldMaster>
@@ -5602,7 +5604,7 @@
           <p:cNvPr id="2" name="Title 1">
             <a:extLst>
               <a:ext uri="{FF2B5EF4-FFF2-40B4-BE49-F238E27FC236}">
-                <a16:creationId xmlns:a16="http://schemas.microsoft.com/office/drawing/2014/main" xmlns="" id="{6D55FCA9-6623-B940-98A2-80B82B6F7BCA}"/>
+                <a16:creationId xmlns="" xmlns:a16="http://schemas.microsoft.com/office/drawing/2014/main" id="{6D55FCA9-6623-B940-98A2-80B82B6F7BCA}"/>
               </a:ext>
             </a:extLst>
           </p:cNvPr>
@@ -5633,7 +5635,7 @@
           <p:cNvPr id="3" name="Subtitle 2">
             <a:extLst>
               <a:ext uri="{FF2B5EF4-FFF2-40B4-BE49-F238E27FC236}">
-                <a16:creationId xmlns:a16="http://schemas.microsoft.com/office/drawing/2014/main" xmlns="" id="{721AFF1E-9090-DE44-A816-2FAE81679641}"/>
+                <a16:creationId xmlns="" xmlns:a16="http://schemas.microsoft.com/office/drawing/2014/main" id="{721AFF1E-9090-DE44-A816-2FAE81679641}"/>
               </a:ext>
             </a:extLst>
           </p:cNvPr>
@@ -5828,56 +5830,58 @@
           <a:lstStyle/>
           <a:p>
             <a:r>
+              <a:rPr lang="nl-NL" dirty="0" smtClean="0"/>
+              <a:t>Random</a:t>
+            </a:r>
+            <a:endParaRPr lang="nl-NL" dirty="0" smtClean="0"/>
+          </a:p>
+          <a:p>
+            <a:r>
+              <a:rPr lang="nl-NL" dirty="0" smtClean="0"/>
+              <a:t>Hill Climbing: zuiver en stochastisch</a:t>
+            </a:r>
+          </a:p>
+          <a:p>
+            <a:r>
+              <a:rPr lang="nl-NL" dirty="0" err="1" smtClean="0"/>
+              <a:t>Simulated</a:t>
+            </a:r>
+            <a:r>
+              <a:rPr lang="nl-NL" dirty="0" smtClean="0"/>
+              <a:t> </a:t>
+            </a:r>
+            <a:r>
+              <a:rPr lang="nl-NL" dirty="0" err="1" smtClean="0"/>
+              <a:t>annealing</a:t>
+            </a:r>
+            <a:endParaRPr lang="nl-NL" dirty="0" smtClean="0"/>
+          </a:p>
+          <a:p>
+            <a:r>
+              <a:rPr lang="nl-NL" dirty="0" smtClean="0"/>
+              <a:t>Combi</a:t>
+            </a:r>
+          </a:p>
+          <a:p>
+            <a:r>
+              <a:rPr lang="nl-NL" dirty="0" smtClean="0"/>
+              <a:t>Min-Max (</a:t>
+            </a:r>
+            <a:r>
+              <a:rPr lang="nl-NL" dirty="0" err="1" smtClean="0"/>
+              <a:t>greedy</a:t>
+            </a:r>
+            <a:r>
+              <a:rPr lang="nl-NL" dirty="0" smtClean="0"/>
+              <a:t>)</a:t>
+            </a:r>
+          </a:p>
+          <a:p>
+            <a:r>
               <a:rPr lang="nl-NL" dirty="0"/>
               <a:t>Brute force</a:t>
             </a:r>
-          </a:p>
-          <a:p>
-            <a:r>
-              <a:rPr lang="nl-NL" dirty="0" smtClean="0"/>
-              <a:t>Random</a:t>
-            </a:r>
-          </a:p>
-          <a:p>
-            <a:r>
-              <a:rPr lang="nl-NL" dirty="0" smtClean="0"/>
-              <a:t>Hill Climbing: zuiver en stochastisch</a:t>
-            </a:r>
-          </a:p>
-          <a:p>
-            <a:r>
-              <a:rPr lang="nl-NL" dirty="0" err="1" smtClean="0"/>
-              <a:t>Simulated</a:t>
-            </a:r>
-            <a:r>
-              <a:rPr lang="nl-NL" dirty="0" smtClean="0"/>
-              <a:t> </a:t>
-            </a:r>
-            <a:r>
-              <a:rPr lang="nl-NL" dirty="0" err="1" smtClean="0"/>
-              <a:t>annealing</a:t>
-            </a:r>
             <a:endParaRPr lang="nl-NL" dirty="0" smtClean="0"/>
-          </a:p>
-          <a:p>
-            <a:r>
-              <a:rPr lang="nl-NL" dirty="0" smtClean="0"/>
-              <a:t>Combi</a:t>
-            </a:r>
-          </a:p>
-          <a:p>
-            <a:r>
-              <a:rPr lang="nl-NL" dirty="0" smtClean="0"/>
-              <a:t>Min-Max (</a:t>
-            </a:r>
-            <a:r>
-              <a:rPr lang="nl-NL" dirty="0" err="1" smtClean="0"/>
-              <a:t>greedy</a:t>
-            </a:r>
-            <a:r>
-              <a:rPr lang="nl-NL" dirty="0" smtClean="0"/>
-              <a:t>)</a:t>
-            </a:r>
           </a:p>
         </p:txBody>
       </p:sp>
@@ -5935,7 +5939,7 @@
           <a:p>
             <a:r>
               <a:rPr lang="en-GB" dirty="0" smtClean="0"/>
-              <a:t>Brute force</a:t>
+              <a:t>Random</a:t>
             </a:r>
             <a:endParaRPr lang="en-GB" dirty="0"/>
           </a:p>
@@ -5951,61 +5955,682 @@
             <p:ph idx="1"/>
           </p:nvPr>
         </p:nvSpPr>
-        <p:spPr/>
+        <p:spPr>
+          <a:xfrm>
+            <a:off x="903109" y="5454059"/>
+            <a:ext cx="1695663" cy="549298"/>
+          </a:xfrm>
+        </p:spPr>
         <p:txBody>
-          <a:bodyPr/>
+          <a:bodyPr>
+            <a:normAutofit/>
+          </a:bodyPr>
           <a:lstStyle/>
           <a:p>
             <a:r>
-              <a:rPr lang="en-GB" dirty="0" smtClean="0"/>
-              <a:t>…</a:t>
-            </a:r>
-          </a:p>
-          <a:p>
-            <a:r>
-              <a:rPr lang="en-GB" dirty="0" err="1" smtClean="0"/>
-              <a:t>Gaan</a:t>
-            </a:r>
-            <a:r>
-              <a:rPr lang="en-GB" dirty="0" smtClean="0"/>
-              <a:t> we </a:t>
-            </a:r>
-            <a:r>
-              <a:rPr lang="en-GB" dirty="0" err="1" smtClean="0"/>
-              <a:t>gebruiken</a:t>
-            </a:r>
-            <a:r>
-              <a:rPr lang="en-GB" dirty="0" smtClean="0"/>
-              <a:t> om 20 </a:t>
-            </a:r>
-            <a:r>
-              <a:rPr lang="en-GB" dirty="0" err="1" smtClean="0"/>
-              <a:t>huizen</a:t>
-            </a:r>
-            <a:r>
-              <a:rPr lang="en-GB" dirty="0" smtClean="0"/>
-              <a:t> </a:t>
-            </a:r>
-            <a:r>
-              <a:rPr lang="en-GB" dirty="0" err="1" smtClean="0"/>
-              <a:t>te</a:t>
-            </a:r>
-            <a:r>
-              <a:rPr lang="en-GB" dirty="0" smtClean="0"/>
-              <a:t> </a:t>
-            </a:r>
-            <a:r>
-              <a:rPr lang="en-GB" dirty="0" err="1" smtClean="0"/>
-              <a:t>vergelijken</a:t>
-            </a:r>
-            <a:endParaRPr lang="en-GB" dirty="0"/>
+              <a:rPr lang="nl-NL" dirty="0" smtClean="0"/>
+              <a:t>20 huizen</a:t>
+            </a:r>
+            <a:endParaRPr lang="nl-NL" dirty="0"/>
           </a:p>
         </p:txBody>
       </p:sp>
+      <p:sp>
+        <p:nvSpPr>
+          <p:cNvPr id="4" name="Tijdelijke aanduiding voor inhoud 2"/>
+          <p:cNvSpPr txBox="1">
+            <a:spLocks/>
+          </p:cNvSpPr>
+          <p:nvPr/>
+        </p:nvSpPr>
+        <p:spPr>
+          <a:xfrm>
+            <a:off x="5147803" y="5428488"/>
+            <a:ext cx="1490741" cy="570190"/>
+          </a:xfrm>
+          <a:prstGeom prst="rect">
+            <a:avLst/>
+          </a:prstGeom>
+        </p:spPr>
+        <p:txBody>
+          <a:bodyPr vert="horz" lIns="91440" tIns="45720" rIns="91440" bIns="45720" rtlCol="0" anchor="ctr">
+            <a:normAutofit/>
+          </a:bodyPr>
+          <a:lstStyle>
+            <a:lvl1pPr marL="306000" indent="-306000" algn="l" defTabSz="457200" rtl="0" eaLnBrk="1" latinLnBrk="0" hangingPunct="1">
+              <a:spcBef>
+                <a:spcPct val="20000"/>
+              </a:spcBef>
+              <a:spcAft>
+                <a:spcPts val="600"/>
+              </a:spcAft>
+              <a:buClr>
+                <a:schemeClr val="accent2"/>
+              </a:buClr>
+              <a:buSzPct val="92000"/>
+              <a:buFont typeface="Wingdings 2" panose="05020102010507070707" pitchFamily="18" charset="2"/>
+              <a:buChar char=""/>
+              <a:defRPr sz="1800" kern="1200">
+                <a:solidFill>
+                  <a:schemeClr val="tx2"/>
+                </a:solidFill>
+                <a:latin typeface="+mn-lt"/>
+                <a:ea typeface="+mn-ea"/>
+                <a:cs typeface="+mn-cs"/>
+              </a:defRPr>
+            </a:lvl1pPr>
+            <a:lvl2pPr marL="630000" indent="-306000" algn="l" defTabSz="457200" rtl="0" eaLnBrk="1" latinLnBrk="0" hangingPunct="1">
+              <a:spcBef>
+                <a:spcPct val="20000"/>
+              </a:spcBef>
+              <a:spcAft>
+                <a:spcPts val="600"/>
+              </a:spcAft>
+              <a:buClr>
+                <a:schemeClr val="accent2"/>
+              </a:buClr>
+              <a:buSzPct val="92000"/>
+              <a:buFont typeface="Wingdings 2" panose="05020102010507070707" pitchFamily="18" charset="2"/>
+              <a:buChar char=""/>
+              <a:defRPr sz="1600" kern="1200">
+                <a:solidFill>
+                  <a:schemeClr val="tx2"/>
+                </a:solidFill>
+                <a:latin typeface="+mn-lt"/>
+                <a:ea typeface="+mn-ea"/>
+                <a:cs typeface="+mn-cs"/>
+              </a:defRPr>
+            </a:lvl2pPr>
+            <a:lvl3pPr marL="900000" indent="-270000" algn="l" defTabSz="457200" rtl="0" eaLnBrk="1" latinLnBrk="0" hangingPunct="1">
+              <a:spcBef>
+                <a:spcPct val="20000"/>
+              </a:spcBef>
+              <a:spcAft>
+                <a:spcPts val="600"/>
+              </a:spcAft>
+              <a:buClr>
+                <a:schemeClr val="accent2"/>
+              </a:buClr>
+              <a:buSzPct val="92000"/>
+              <a:buFont typeface="Wingdings 2" panose="05020102010507070707" pitchFamily="18" charset="2"/>
+              <a:buChar char=""/>
+              <a:defRPr sz="1400" kern="1200">
+                <a:solidFill>
+                  <a:schemeClr val="tx2"/>
+                </a:solidFill>
+                <a:latin typeface="+mn-lt"/>
+                <a:ea typeface="+mn-ea"/>
+                <a:cs typeface="+mn-cs"/>
+              </a:defRPr>
+            </a:lvl3pPr>
+            <a:lvl4pPr marL="1242000" indent="-234000" algn="l" defTabSz="457200" rtl="0" eaLnBrk="1" latinLnBrk="0" hangingPunct="1">
+              <a:spcBef>
+                <a:spcPct val="20000"/>
+              </a:spcBef>
+              <a:spcAft>
+                <a:spcPts val="600"/>
+              </a:spcAft>
+              <a:buClr>
+                <a:schemeClr val="accent2"/>
+              </a:buClr>
+              <a:buSzPct val="92000"/>
+              <a:buFont typeface="Wingdings 2" panose="05020102010507070707" pitchFamily="18" charset="2"/>
+              <a:buChar char=""/>
+              <a:defRPr sz="1200" kern="1200">
+                <a:solidFill>
+                  <a:schemeClr val="tx2"/>
+                </a:solidFill>
+                <a:latin typeface="+mn-lt"/>
+                <a:ea typeface="+mn-ea"/>
+                <a:cs typeface="+mn-cs"/>
+              </a:defRPr>
+            </a:lvl4pPr>
+            <a:lvl5pPr marL="1602000" indent="-234000" algn="l" defTabSz="457200" rtl="0" eaLnBrk="1" latinLnBrk="0" hangingPunct="1">
+              <a:spcBef>
+                <a:spcPct val="20000"/>
+              </a:spcBef>
+              <a:spcAft>
+                <a:spcPts val="600"/>
+              </a:spcAft>
+              <a:buClr>
+                <a:schemeClr val="accent2"/>
+              </a:buClr>
+              <a:buSzPct val="92000"/>
+              <a:buFont typeface="Wingdings 2" panose="05020102010507070707" pitchFamily="18" charset="2"/>
+              <a:buChar char=""/>
+              <a:defRPr sz="1200" kern="1200">
+                <a:solidFill>
+                  <a:schemeClr val="tx2"/>
+                </a:solidFill>
+                <a:latin typeface="+mn-lt"/>
+                <a:ea typeface="+mn-ea"/>
+                <a:cs typeface="+mn-cs"/>
+              </a:defRPr>
+            </a:lvl5pPr>
+            <a:lvl6pPr marL="1900000" indent="-228600" algn="l" defTabSz="457200" rtl="0" eaLnBrk="1" latinLnBrk="0" hangingPunct="1">
+              <a:spcBef>
+                <a:spcPct val="20000"/>
+              </a:spcBef>
+              <a:spcAft>
+                <a:spcPts val="600"/>
+              </a:spcAft>
+              <a:buClr>
+                <a:schemeClr val="accent2"/>
+              </a:buClr>
+              <a:buSzPct val="92000"/>
+              <a:buFont typeface="Wingdings 2" panose="05020102010507070707" pitchFamily="18" charset="2"/>
+              <a:buChar char=""/>
+              <a:defRPr sz="1200" kern="1200">
+                <a:solidFill>
+                  <a:schemeClr val="tx2"/>
+                </a:solidFill>
+                <a:latin typeface="+mn-lt"/>
+                <a:ea typeface="+mn-ea"/>
+                <a:cs typeface="+mn-cs"/>
+              </a:defRPr>
+            </a:lvl6pPr>
+            <a:lvl7pPr marL="2200000" indent="-228600" algn="l" defTabSz="457200" rtl="0" eaLnBrk="1" latinLnBrk="0" hangingPunct="1">
+              <a:spcBef>
+                <a:spcPct val="20000"/>
+              </a:spcBef>
+              <a:spcAft>
+                <a:spcPts val="600"/>
+              </a:spcAft>
+              <a:buClr>
+                <a:schemeClr val="accent2"/>
+              </a:buClr>
+              <a:buSzPct val="92000"/>
+              <a:buFont typeface="Wingdings 2" panose="05020102010507070707" pitchFamily="18" charset="2"/>
+              <a:buChar char=""/>
+              <a:defRPr sz="1200" kern="1200">
+                <a:solidFill>
+                  <a:schemeClr val="tx2"/>
+                </a:solidFill>
+                <a:latin typeface="+mn-lt"/>
+                <a:ea typeface="+mn-ea"/>
+                <a:cs typeface="+mn-cs"/>
+              </a:defRPr>
+            </a:lvl7pPr>
+            <a:lvl8pPr marL="2500000" indent="-228600" algn="l" defTabSz="457200" rtl="0" eaLnBrk="1" latinLnBrk="0" hangingPunct="1">
+              <a:spcBef>
+                <a:spcPct val="20000"/>
+              </a:spcBef>
+              <a:spcAft>
+                <a:spcPts val="600"/>
+              </a:spcAft>
+              <a:buClr>
+                <a:schemeClr val="accent2"/>
+              </a:buClr>
+              <a:buSzPct val="92000"/>
+              <a:buFont typeface="Wingdings 2" panose="05020102010507070707" pitchFamily="18" charset="2"/>
+              <a:buChar char=""/>
+              <a:defRPr sz="1200" kern="1200">
+                <a:solidFill>
+                  <a:schemeClr val="tx2"/>
+                </a:solidFill>
+                <a:latin typeface="+mn-lt"/>
+                <a:ea typeface="+mn-ea"/>
+                <a:cs typeface="+mn-cs"/>
+              </a:defRPr>
+            </a:lvl8pPr>
+            <a:lvl9pPr marL="2800000" indent="-228600" algn="l" defTabSz="457200" rtl="0" eaLnBrk="1" latinLnBrk="0" hangingPunct="1">
+              <a:spcBef>
+                <a:spcPct val="20000"/>
+              </a:spcBef>
+              <a:spcAft>
+                <a:spcPts val="600"/>
+              </a:spcAft>
+              <a:buClr>
+                <a:schemeClr val="accent2"/>
+              </a:buClr>
+              <a:buSzPct val="92000"/>
+              <a:buFont typeface="Wingdings 2" panose="05020102010507070707" pitchFamily="18" charset="2"/>
+              <a:buChar char=""/>
+              <a:defRPr sz="1200" kern="1200">
+                <a:solidFill>
+                  <a:schemeClr val="tx2"/>
+                </a:solidFill>
+                <a:latin typeface="+mn-lt"/>
+                <a:ea typeface="+mn-ea"/>
+                <a:cs typeface="+mn-cs"/>
+              </a:defRPr>
+            </a:lvl9pPr>
+          </a:lstStyle>
+          <a:p>
+            <a:r>
+              <a:rPr lang="nl-NL" dirty="0" smtClean="0"/>
+              <a:t>40 huizen</a:t>
+            </a:r>
+            <a:endParaRPr lang="nl-NL" dirty="0"/>
+          </a:p>
+        </p:txBody>
+      </p:sp>
+      <p:sp>
+        <p:nvSpPr>
+          <p:cNvPr id="5" name="Tijdelijke aanduiding voor inhoud 2"/>
+          <p:cNvSpPr txBox="1">
+            <a:spLocks/>
+          </p:cNvSpPr>
+          <p:nvPr/>
+        </p:nvSpPr>
+        <p:spPr>
+          <a:xfrm>
+            <a:off x="8965557" y="5428488"/>
+            <a:ext cx="1502404" cy="417790"/>
+          </a:xfrm>
+          <a:prstGeom prst="rect">
+            <a:avLst/>
+          </a:prstGeom>
+        </p:spPr>
+        <p:txBody>
+          <a:bodyPr vert="horz" lIns="91440" tIns="45720" rIns="91440" bIns="45720" rtlCol="0" anchor="ctr">
+            <a:normAutofit/>
+          </a:bodyPr>
+          <a:lstStyle>
+            <a:lvl1pPr marL="306000" indent="-306000" algn="l" defTabSz="457200" rtl="0" eaLnBrk="1" latinLnBrk="0" hangingPunct="1">
+              <a:spcBef>
+                <a:spcPct val="20000"/>
+              </a:spcBef>
+              <a:spcAft>
+                <a:spcPts val="600"/>
+              </a:spcAft>
+              <a:buClr>
+                <a:schemeClr val="accent2"/>
+              </a:buClr>
+              <a:buSzPct val="92000"/>
+              <a:buFont typeface="Wingdings 2" panose="05020102010507070707" pitchFamily="18" charset="2"/>
+              <a:buChar char=""/>
+              <a:defRPr sz="1800" kern="1200">
+                <a:solidFill>
+                  <a:schemeClr val="tx2"/>
+                </a:solidFill>
+                <a:latin typeface="+mn-lt"/>
+                <a:ea typeface="+mn-ea"/>
+                <a:cs typeface="+mn-cs"/>
+              </a:defRPr>
+            </a:lvl1pPr>
+            <a:lvl2pPr marL="630000" indent="-306000" algn="l" defTabSz="457200" rtl="0" eaLnBrk="1" latinLnBrk="0" hangingPunct="1">
+              <a:spcBef>
+                <a:spcPct val="20000"/>
+              </a:spcBef>
+              <a:spcAft>
+                <a:spcPts val="600"/>
+              </a:spcAft>
+              <a:buClr>
+                <a:schemeClr val="accent2"/>
+              </a:buClr>
+              <a:buSzPct val="92000"/>
+              <a:buFont typeface="Wingdings 2" panose="05020102010507070707" pitchFamily="18" charset="2"/>
+              <a:buChar char=""/>
+              <a:defRPr sz="1600" kern="1200">
+                <a:solidFill>
+                  <a:schemeClr val="tx2"/>
+                </a:solidFill>
+                <a:latin typeface="+mn-lt"/>
+                <a:ea typeface="+mn-ea"/>
+                <a:cs typeface="+mn-cs"/>
+              </a:defRPr>
+            </a:lvl2pPr>
+            <a:lvl3pPr marL="900000" indent="-270000" algn="l" defTabSz="457200" rtl="0" eaLnBrk="1" latinLnBrk="0" hangingPunct="1">
+              <a:spcBef>
+                <a:spcPct val="20000"/>
+              </a:spcBef>
+              <a:spcAft>
+                <a:spcPts val="600"/>
+              </a:spcAft>
+              <a:buClr>
+                <a:schemeClr val="accent2"/>
+              </a:buClr>
+              <a:buSzPct val="92000"/>
+              <a:buFont typeface="Wingdings 2" panose="05020102010507070707" pitchFamily="18" charset="2"/>
+              <a:buChar char=""/>
+              <a:defRPr sz="1400" kern="1200">
+                <a:solidFill>
+                  <a:schemeClr val="tx2"/>
+                </a:solidFill>
+                <a:latin typeface="+mn-lt"/>
+                <a:ea typeface="+mn-ea"/>
+                <a:cs typeface="+mn-cs"/>
+              </a:defRPr>
+            </a:lvl3pPr>
+            <a:lvl4pPr marL="1242000" indent="-234000" algn="l" defTabSz="457200" rtl="0" eaLnBrk="1" latinLnBrk="0" hangingPunct="1">
+              <a:spcBef>
+                <a:spcPct val="20000"/>
+              </a:spcBef>
+              <a:spcAft>
+                <a:spcPts val="600"/>
+              </a:spcAft>
+              <a:buClr>
+                <a:schemeClr val="accent2"/>
+              </a:buClr>
+              <a:buSzPct val="92000"/>
+              <a:buFont typeface="Wingdings 2" panose="05020102010507070707" pitchFamily="18" charset="2"/>
+              <a:buChar char=""/>
+              <a:defRPr sz="1200" kern="1200">
+                <a:solidFill>
+                  <a:schemeClr val="tx2"/>
+                </a:solidFill>
+                <a:latin typeface="+mn-lt"/>
+                <a:ea typeface="+mn-ea"/>
+                <a:cs typeface="+mn-cs"/>
+              </a:defRPr>
+            </a:lvl4pPr>
+            <a:lvl5pPr marL="1602000" indent="-234000" algn="l" defTabSz="457200" rtl="0" eaLnBrk="1" latinLnBrk="0" hangingPunct="1">
+              <a:spcBef>
+                <a:spcPct val="20000"/>
+              </a:spcBef>
+              <a:spcAft>
+                <a:spcPts val="600"/>
+              </a:spcAft>
+              <a:buClr>
+                <a:schemeClr val="accent2"/>
+              </a:buClr>
+              <a:buSzPct val="92000"/>
+              <a:buFont typeface="Wingdings 2" panose="05020102010507070707" pitchFamily="18" charset="2"/>
+              <a:buChar char=""/>
+              <a:defRPr sz="1200" kern="1200">
+                <a:solidFill>
+                  <a:schemeClr val="tx2"/>
+                </a:solidFill>
+                <a:latin typeface="+mn-lt"/>
+                <a:ea typeface="+mn-ea"/>
+                <a:cs typeface="+mn-cs"/>
+              </a:defRPr>
+            </a:lvl5pPr>
+            <a:lvl6pPr marL="1900000" indent="-228600" algn="l" defTabSz="457200" rtl="0" eaLnBrk="1" latinLnBrk="0" hangingPunct="1">
+              <a:spcBef>
+                <a:spcPct val="20000"/>
+              </a:spcBef>
+              <a:spcAft>
+                <a:spcPts val="600"/>
+              </a:spcAft>
+              <a:buClr>
+                <a:schemeClr val="accent2"/>
+              </a:buClr>
+              <a:buSzPct val="92000"/>
+              <a:buFont typeface="Wingdings 2" panose="05020102010507070707" pitchFamily="18" charset="2"/>
+              <a:buChar char=""/>
+              <a:defRPr sz="1200" kern="1200">
+                <a:solidFill>
+                  <a:schemeClr val="tx2"/>
+                </a:solidFill>
+                <a:latin typeface="+mn-lt"/>
+                <a:ea typeface="+mn-ea"/>
+                <a:cs typeface="+mn-cs"/>
+              </a:defRPr>
+            </a:lvl6pPr>
+            <a:lvl7pPr marL="2200000" indent="-228600" algn="l" defTabSz="457200" rtl="0" eaLnBrk="1" latinLnBrk="0" hangingPunct="1">
+              <a:spcBef>
+                <a:spcPct val="20000"/>
+              </a:spcBef>
+              <a:spcAft>
+                <a:spcPts val="600"/>
+              </a:spcAft>
+              <a:buClr>
+                <a:schemeClr val="accent2"/>
+              </a:buClr>
+              <a:buSzPct val="92000"/>
+              <a:buFont typeface="Wingdings 2" panose="05020102010507070707" pitchFamily="18" charset="2"/>
+              <a:buChar char=""/>
+              <a:defRPr sz="1200" kern="1200">
+                <a:solidFill>
+                  <a:schemeClr val="tx2"/>
+                </a:solidFill>
+                <a:latin typeface="+mn-lt"/>
+                <a:ea typeface="+mn-ea"/>
+                <a:cs typeface="+mn-cs"/>
+              </a:defRPr>
+            </a:lvl7pPr>
+            <a:lvl8pPr marL="2500000" indent="-228600" algn="l" defTabSz="457200" rtl="0" eaLnBrk="1" latinLnBrk="0" hangingPunct="1">
+              <a:spcBef>
+                <a:spcPct val="20000"/>
+              </a:spcBef>
+              <a:spcAft>
+                <a:spcPts val="600"/>
+              </a:spcAft>
+              <a:buClr>
+                <a:schemeClr val="accent2"/>
+              </a:buClr>
+              <a:buSzPct val="92000"/>
+              <a:buFont typeface="Wingdings 2" panose="05020102010507070707" pitchFamily="18" charset="2"/>
+              <a:buChar char=""/>
+              <a:defRPr sz="1200" kern="1200">
+                <a:solidFill>
+                  <a:schemeClr val="tx2"/>
+                </a:solidFill>
+                <a:latin typeface="+mn-lt"/>
+                <a:ea typeface="+mn-ea"/>
+                <a:cs typeface="+mn-cs"/>
+              </a:defRPr>
+            </a:lvl8pPr>
+            <a:lvl9pPr marL="2800000" indent="-228600" algn="l" defTabSz="457200" rtl="0" eaLnBrk="1" latinLnBrk="0" hangingPunct="1">
+              <a:spcBef>
+                <a:spcPct val="20000"/>
+              </a:spcBef>
+              <a:spcAft>
+                <a:spcPts val="600"/>
+              </a:spcAft>
+              <a:buClr>
+                <a:schemeClr val="accent2"/>
+              </a:buClr>
+              <a:buSzPct val="92000"/>
+              <a:buFont typeface="Wingdings 2" panose="05020102010507070707" pitchFamily="18" charset="2"/>
+              <a:buChar char=""/>
+              <a:defRPr sz="1200" kern="1200">
+                <a:solidFill>
+                  <a:schemeClr val="tx2"/>
+                </a:solidFill>
+                <a:latin typeface="+mn-lt"/>
+                <a:ea typeface="+mn-ea"/>
+                <a:cs typeface="+mn-cs"/>
+              </a:defRPr>
+            </a:lvl9pPr>
+          </a:lstStyle>
+          <a:p>
+            <a:r>
+              <a:rPr lang="nl-NL" dirty="0" smtClean="0"/>
+              <a:t>60 huizen</a:t>
+            </a:r>
+            <a:endParaRPr lang="nl-NL" dirty="0"/>
+          </a:p>
+        </p:txBody>
+      </p:sp>
+      <p:pic>
+        <p:nvPicPr>
+          <p:cNvPr id="2051" name="Picture 3"/>
+          <p:cNvPicPr>
+            <a:picLocks noChangeAspect="1" noChangeArrowheads="1"/>
+          </p:cNvPicPr>
+          <p:nvPr/>
+        </p:nvPicPr>
+        <p:blipFill>
+          <a:blip r:embed="rId2">
+            <a:extLst>
+              <a:ext uri="{28A0092B-C50C-407E-A947-70E740481C1C}">
+                <a14:useLocalDpi xmlns:a14="http://schemas.microsoft.com/office/drawing/2010/main" val="0"/>
+              </a:ext>
+            </a:extLst>
+          </a:blip>
+          <a:srcRect/>
+          <a:stretch>
+            <a:fillRect/>
+          </a:stretch>
+        </p:blipFill>
+        <p:spPr bwMode="auto">
+          <a:xfrm>
+            <a:off x="4210114" y="1872659"/>
+            <a:ext cx="3382962" cy="3581400"/>
+          </a:xfrm>
+          <a:prstGeom prst="rect">
+            <a:avLst/>
+          </a:prstGeom>
+          <a:noFill/>
+          <a:ln>
+            <a:noFill/>
+          </a:ln>
+          <a:effectLst/>
+          <a:extLst>
+            <a:ext uri="{909E8E84-426E-40DD-AFC4-6F175D3DCCD1}">
+              <a14:hiddenFill xmlns:a14="http://schemas.microsoft.com/office/drawing/2010/main">
+                <a:solidFill>
+                  <a:schemeClr val="accent1"/>
+                </a:solidFill>
+              </a14:hiddenFill>
+            </a:ext>
+            <a:ext uri="{91240B29-F687-4F45-9708-019B960494DF}">
+              <a14:hiddenLine xmlns:a14="http://schemas.microsoft.com/office/drawing/2010/main" w="9525">
+                <a:solidFill>
+                  <a:schemeClr val="tx1"/>
+                </a:solidFill>
+                <a:miter lim="800000"/>
+                <a:headEnd/>
+                <a:tailEnd/>
+              </a14:hiddenLine>
+            </a:ext>
+            <a:ext uri="{AF507438-7753-43E0-B8FC-AC1667EBCBE1}">
+              <a14:hiddenEffects xmlns:a14="http://schemas.microsoft.com/office/drawing/2010/main">
+                <a:effectLst>
+                  <a:outerShdw dist="35921" dir="2700000" algn="ctr" rotWithShape="0">
+                    <a:schemeClr val="bg2"/>
+                  </a:outerShdw>
+                </a:effectLst>
+              </a14:hiddenEffects>
+            </a:ext>
+          </a:extLst>
+        </p:spPr>
+      </p:pic>
+      <p:pic>
+        <p:nvPicPr>
+          <p:cNvPr id="2052" name="Picture 4"/>
+          <p:cNvPicPr>
+            <a:picLocks noChangeAspect="1" noChangeArrowheads="1"/>
+          </p:cNvPicPr>
+          <p:nvPr/>
+        </p:nvPicPr>
+        <p:blipFill>
+          <a:blip r:embed="rId3">
+            <a:extLst>
+              <a:ext uri="{28A0092B-C50C-407E-A947-70E740481C1C}">
+                <a14:useLocalDpi xmlns:a14="http://schemas.microsoft.com/office/drawing/2010/main" val="0"/>
+              </a:ext>
+            </a:extLst>
+          </a:blip>
+          <a:srcRect/>
+          <a:stretch>
+            <a:fillRect/>
+          </a:stretch>
+        </p:blipFill>
+        <p:spPr bwMode="auto">
+          <a:xfrm>
+            <a:off x="8063378" y="1861375"/>
+            <a:ext cx="3306762" cy="3567113"/>
+          </a:xfrm>
+          <a:prstGeom prst="rect">
+            <a:avLst/>
+          </a:prstGeom>
+          <a:noFill/>
+          <a:ln>
+            <a:noFill/>
+          </a:ln>
+          <a:effectLst/>
+          <a:extLst>
+            <a:ext uri="{909E8E84-426E-40DD-AFC4-6F175D3DCCD1}">
+              <a14:hiddenFill xmlns:a14="http://schemas.microsoft.com/office/drawing/2010/main">
+                <a:solidFill>
+                  <a:schemeClr val="accent1"/>
+                </a:solidFill>
+              </a14:hiddenFill>
+            </a:ext>
+            <a:ext uri="{91240B29-F687-4F45-9708-019B960494DF}">
+              <a14:hiddenLine xmlns:a14="http://schemas.microsoft.com/office/drawing/2010/main" w="9525">
+                <a:solidFill>
+                  <a:schemeClr val="tx1"/>
+                </a:solidFill>
+                <a:miter lim="800000"/>
+                <a:headEnd/>
+                <a:tailEnd/>
+              </a14:hiddenLine>
+            </a:ext>
+            <a:ext uri="{AF507438-7753-43E0-B8FC-AC1667EBCBE1}">
+              <a14:hiddenEffects xmlns:a14="http://schemas.microsoft.com/office/drawing/2010/main">
+                <a:effectLst>
+                  <a:outerShdw dist="35921" dir="2700000" algn="ctr" rotWithShape="0">
+                    <a:schemeClr val="bg2"/>
+                  </a:outerShdw>
+                </a:effectLst>
+              </a14:hiddenEffects>
+            </a:ext>
+          </a:extLst>
+        </p:spPr>
+      </p:pic>
+      <p:pic>
+        <p:nvPicPr>
+          <p:cNvPr id="2053" name="Picture 5"/>
+          <p:cNvPicPr>
+            <a:picLocks noChangeAspect="1" noChangeArrowheads="1"/>
+          </p:cNvPicPr>
+          <p:nvPr/>
+        </p:nvPicPr>
+        <p:blipFill>
+          <a:blip r:embed="rId4">
+            <a:extLst>
+              <a:ext uri="{28A0092B-C50C-407E-A947-70E740481C1C}">
+                <a14:useLocalDpi xmlns:a14="http://schemas.microsoft.com/office/drawing/2010/main" val="0"/>
+              </a:ext>
+            </a:extLst>
+          </a:blip>
+          <a:srcRect/>
+          <a:stretch>
+            <a:fillRect/>
+          </a:stretch>
+        </p:blipFill>
+        <p:spPr bwMode="auto">
+          <a:xfrm>
+            <a:off x="379540" y="1816925"/>
+            <a:ext cx="3344862" cy="3611563"/>
+          </a:xfrm>
+          <a:prstGeom prst="rect">
+            <a:avLst/>
+          </a:prstGeom>
+          <a:noFill/>
+          <a:ln>
+            <a:noFill/>
+          </a:ln>
+          <a:effectLst/>
+          <a:extLst>
+            <a:ext uri="{909E8E84-426E-40DD-AFC4-6F175D3DCCD1}">
+              <a14:hiddenFill xmlns:a14="http://schemas.microsoft.com/office/drawing/2010/main">
+                <a:solidFill>
+                  <a:schemeClr val="accent1"/>
+                </a:solidFill>
+              </a14:hiddenFill>
+            </a:ext>
+            <a:ext uri="{91240B29-F687-4F45-9708-019B960494DF}">
+              <a14:hiddenLine xmlns:a14="http://schemas.microsoft.com/office/drawing/2010/main" w="9525">
+                <a:solidFill>
+                  <a:schemeClr val="tx1"/>
+                </a:solidFill>
+                <a:miter lim="800000"/>
+                <a:headEnd/>
+                <a:tailEnd/>
+              </a14:hiddenLine>
+            </a:ext>
+            <a:ext uri="{AF507438-7753-43E0-B8FC-AC1667EBCBE1}">
+              <a14:hiddenEffects xmlns:a14="http://schemas.microsoft.com/office/drawing/2010/main">
+                <a:effectLst>
+                  <a:outerShdw dist="35921" dir="2700000" algn="ctr" rotWithShape="0">
+                    <a:schemeClr val="bg2"/>
+                  </a:outerShdw>
+                </a:effectLst>
+              </a14:hiddenEffects>
+            </a:ext>
+          </a:extLst>
+        </p:spPr>
+      </p:pic>
     </p:spTree>
     <p:extLst>
       <p:ext uri="{BB962C8B-B14F-4D97-AF65-F5344CB8AC3E}">
-        <p14:creationId xmlns:p14="http://schemas.microsoft.com/office/powerpoint/2010/main" val="3405693033"/>
+        <p14:creationId xmlns:p14="http://schemas.microsoft.com/office/powerpoint/2010/main" val="504672693"/>
       </p:ext>
     </p:extLst>
   </p:cSld>
@@ -6074,23 +6699,19 @@
         </p:nvSpPr>
         <p:spPr>
           <a:xfrm>
-            <a:off x="581193" y="2180496"/>
-            <a:ext cx="3481522" cy="3678303"/>
+            <a:off x="2134988" y="5491378"/>
+            <a:ext cx="1695663" cy="549298"/>
           </a:xfrm>
         </p:spPr>
         <p:txBody>
-          <a:bodyPr/>
+          <a:bodyPr>
+            <a:normAutofit/>
+          </a:bodyPr>
           <a:lstStyle/>
           <a:p>
             <a:r>
               <a:rPr lang="nl-NL" dirty="0" smtClean="0"/>
-              <a:t>Genereer random oplossingen</a:t>
-            </a:r>
-          </a:p>
-          <a:p>
-            <a:r>
-              <a:rPr lang="nl-NL" dirty="0" smtClean="0"/>
-              <a:t>Startoplossingen</a:t>
+              <a:t>€8 740 009</a:t>
             </a:r>
             <a:endParaRPr lang="nl-NL" dirty="0"/>
           </a:p>
@@ -6106,8 +6727,8 @@
         </p:nvSpPr>
         <p:spPr>
           <a:xfrm>
-            <a:off x="4215115" y="2350855"/>
-            <a:ext cx="3481522" cy="3678303"/>
+            <a:off x="8329915" y="5496356"/>
+            <a:ext cx="1829069" cy="570190"/>
           </a:xfrm>
           <a:prstGeom prst="rect">
             <a:avLst/>
@@ -6320,264 +6941,98 @@
           <a:p>
             <a:r>
               <a:rPr lang="nl-NL" dirty="0" smtClean="0"/>
-              <a:t>PLAATJE </a:t>
-            </a:r>
-          </a:p>
-          <a:p>
-            <a:r>
-              <a:rPr lang="nl-NL" dirty="0" smtClean="0"/>
-              <a:t>VB PLATTEGROND</a:t>
+              <a:t>€16 422 647</a:t>
             </a:r>
             <a:endParaRPr lang="nl-NL" dirty="0"/>
           </a:p>
         </p:txBody>
       </p:sp>
-      <p:sp>
-        <p:nvSpPr>
-          <p:cNvPr id="5" name="Tijdelijke aanduiding voor inhoud 2"/>
-          <p:cNvSpPr txBox="1">
-            <a:spLocks/>
-          </p:cNvSpPr>
+      <p:pic>
+        <p:nvPicPr>
+          <p:cNvPr id="3074" name="Picture 2" descr="E:\pic2.PNG"/>
+          <p:cNvPicPr>
+            <a:picLocks noChangeAspect="1" noChangeArrowheads="1"/>
+          </p:cNvPicPr>
           <p:nvPr/>
-        </p:nvSpPr>
-        <p:spPr>
+        </p:nvPicPr>
+        <p:blipFill>
+          <a:blip r:embed="rId2">
+            <a:extLst>
+              <a:ext uri="{28A0092B-C50C-407E-A947-70E740481C1C}">
+                <a14:useLocalDpi xmlns:a14="http://schemas.microsoft.com/office/drawing/2010/main" val="0"/>
+              </a:ext>
+            </a:extLst>
+          </a:blip>
+          <a:srcRect/>
+          <a:stretch>
+            <a:fillRect/>
+          </a:stretch>
+        </p:blipFill>
+        <p:spPr bwMode="auto">
           <a:xfrm>
-            <a:off x="8025644" y="2198455"/>
-            <a:ext cx="3481522" cy="3678303"/>
+            <a:off x="6303709" y="2362083"/>
+            <a:ext cx="5436375" cy="3063670"/>
           </a:xfrm>
           <a:prstGeom prst="rect">
             <a:avLst/>
           </a:prstGeom>
+          <a:noFill/>
+          <a:extLst>
+            <a:ext uri="{909E8E84-426E-40DD-AFC4-6F175D3DCCD1}">
+              <a14:hiddenFill xmlns:a14="http://schemas.microsoft.com/office/drawing/2010/main">
+                <a:solidFill>
+                  <a:srgbClr val="FFFFFF"/>
+                </a:solidFill>
+              </a14:hiddenFill>
+            </a:ext>
+          </a:extLst>
         </p:spPr>
-        <p:txBody>
-          <a:bodyPr vert="horz" lIns="91440" tIns="45720" rIns="91440" bIns="45720" rtlCol="0" anchor="ctr">
-            <a:normAutofit/>
-          </a:bodyPr>
-          <a:lstStyle>
-            <a:lvl1pPr marL="306000" indent="-306000" algn="l" defTabSz="457200" rtl="0" eaLnBrk="1" latinLnBrk="0" hangingPunct="1">
-              <a:spcBef>
-                <a:spcPct val="20000"/>
-              </a:spcBef>
-              <a:spcAft>
-                <a:spcPts val="600"/>
-              </a:spcAft>
-              <a:buClr>
-                <a:schemeClr val="accent2"/>
-              </a:buClr>
-              <a:buSzPct val="92000"/>
-              <a:buFont typeface="Wingdings 2" panose="05020102010507070707" pitchFamily="18" charset="2"/>
-              <a:buChar char=""/>
-              <a:defRPr sz="1800" kern="1200">
-                <a:solidFill>
-                  <a:schemeClr val="tx2"/>
-                </a:solidFill>
-                <a:latin typeface="+mn-lt"/>
-                <a:ea typeface="+mn-ea"/>
-                <a:cs typeface="+mn-cs"/>
-              </a:defRPr>
-            </a:lvl1pPr>
-            <a:lvl2pPr marL="630000" indent="-306000" algn="l" defTabSz="457200" rtl="0" eaLnBrk="1" latinLnBrk="0" hangingPunct="1">
-              <a:spcBef>
-                <a:spcPct val="20000"/>
-              </a:spcBef>
-              <a:spcAft>
-                <a:spcPts val="600"/>
-              </a:spcAft>
-              <a:buClr>
-                <a:schemeClr val="accent2"/>
-              </a:buClr>
-              <a:buSzPct val="92000"/>
-              <a:buFont typeface="Wingdings 2" panose="05020102010507070707" pitchFamily="18" charset="2"/>
-              <a:buChar char=""/>
-              <a:defRPr sz="1600" kern="1200">
-                <a:solidFill>
-                  <a:schemeClr val="tx2"/>
-                </a:solidFill>
-                <a:latin typeface="+mn-lt"/>
-                <a:ea typeface="+mn-ea"/>
-                <a:cs typeface="+mn-cs"/>
-              </a:defRPr>
-            </a:lvl2pPr>
-            <a:lvl3pPr marL="900000" indent="-270000" algn="l" defTabSz="457200" rtl="0" eaLnBrk="1" latinLnBrk="0" hangingPunct="1">
-              <a:spcBef>
-                <a:spcPct val="20000"/>
-              </a:spcBef>
-              <a:spcAft>
-                <a:spcPts val="600"/>
-              </a:spcAft>
-              <a:buClr>
-                <a:schemeClr val="accent2"/>
-              </a:buClr>
-              <a:buSzPct val="92000"/>
-              <a:buFont typeface="Wingdings 2" panose="05020102010507070707" pitchFamily="18" charset="2"/>
-              <a:buChar char=""/>
-              <a:defRPr sz="1400" kern="1200">
-                <a:solidFill>
-                  <a:schemeClr val="tx2"/>
-                </a:solidFill>
-                <a:latin typeface="+mn-lt"/>
-                <a:ea typeface="+mn-ea"/>
-                <a:cs typeface="+mn-cs"/>
-              </a:defRPr>
-            </a:lvl3pPr>
-            <a:lvl4pPr marL="1242000" indent="-234000" algn="l" defTabSz="457200" rtl="0" eaLnBrk="1" latinLnBrk="0" hangingPunct="1">
-              <a:spcBef>
-                <a:spcPct val="20000"/>
-              </a:spcBef>
-              <a:spcAft>
-                <a:spcPts val="600"/>
-              </a:spcAft>
-              <a:buClr>
-                <a:schemeClr val="accent2"/>
-              </a:buClr>
-              <a:buSzPct val="92000"/>
-              <a:buFont typeface="Wingdings 2" panose="05020102010507070707" pitchFamily="18" charset="2"/>
-              <a:buChar char=""/>
-              <a:defRPr sz="1200" kern="1200">
-                <a:solidFill>
-                  <a:schemeClr val="tx2"/>
-                </a:solidFill>
-                <a:latin typeface="+mn-lt"/>
-                <a:ea typeface="+mn-ea"/>
-                <a:cs typeface="+mn-cs"/>
-              </a:defRPr>
-            </a:lvl4pPr>
-            <a:lvl5pPr marL="1602000" indent="-234000" algn="l" defTabSz="457200" rtl="0" eaLnBrk="1" latinLnBrk="0" hangingPunct="1">
-              <a:spcBef>
-                <a:spcPct val="20000"/>
-              </a:spcBef>
-              <a:spcAft>
-                <a:spcPts val="600"/>
-              </a:spcAft>
-              <a:buClr>
-                <a:schemeClr val="accent2"/>
-              </a:buClr>
-              <a:buSzPct val="92000"/>
-              <a:buFont typeface="Wingdings 2" panose="05020102010507070707" pitchFamily="18" charset="2"/>
-              <a:buChar char=""/>
-              <a:defRPr sz="1200" kern="1200">
-                <a:solidFill>
-                  <a:schemeClr val="tx2"/>
-                </a:solidFill>
-                <a:latin typeface="+mn-lt"/>
-                <a:ea typeface="+mn-ea"/>
-                <a:cs typeface="+mn-cs"/>
-              </a:defRPr>
-            </a:lvl5pPr>
-            <a:lvl6pPr marL="1900000" indent="-228600" algn="l" defTabSz="457200" rtl="0" eaLnBrk="1" latinLnBrk="0" hangingPunct="1">
-              <a:spcBef>
-                <a:spcPct val="20000"/>
-              </a:spcBef>
-              <a:spcAft>
-                <a:spcPts val="600"/>
-              </a:spcAft>
-              <a:buClr>
-                <a:schemeClr val="accent2"/>
-              </a:buClr>
-              <a:buSzPct val="92000"/>
-              <a:buFont typeface="Wingdings 2" panose="05020102010507070707" pitchFamily="18" charset="2"/>
-              <a:buChar char=""/>
-              <a:defRPr sz="1200" kern="1200">
-                <a:solidFill>
-                  <a:schemeClr val="tx2"/>
-                </a:solidFill>
-                <a:latin typeface="+mn-lt"/>
-                <a:ea typeface="+mn-ea"/>
-                <a:cs typeface="+mn-cs"/>
-              </a:defRPr>
-            </a:lvl6pPr>
-            <a:lvl7pPr marL="2200000" indent="-228600" algn="l" defTabSz="457200" rtl="0" eaLnBrk="1" latinLnBrk="0" hangingPunct="1">
-              <a:spcBef>
-                <a:spcPct val="20000"/>
-              </a:spcBef>
-              <a:spcAft>
-                <a:spcPts val="600"/>
-              </a:spcAft>
-              <a:buClr>
-                <a:schemeClr val="accent2"/>
-              </a:buClr>
-              <a:buSzPct val="92000"/>
-              <a:buFont typeface="Wingdings 2" panose="05020102010507070707" pitchFamily="18" charset="2"/>
-              <a:buChar char=""/>
-              <a:defRPr sz="1200" kern="1200">
-                <a:solidFill>
-                  <a:schemeClr val="tx2"/>
-                </a:solidFill>
-                <a:latin typeface="+mn-lt"/>
-                <a:ea typeface="+mn-ea"/>
-                <a:cs typeface="+mn-cs"/>
-              </a:defRPr>
-            </a:lvl7pPr>
-            <a:lvl8pPr marL="2500000" indent="-228600" algn="l" defTabSz="457200" rtl="0" eaLnBrk="1" latinLnBrk="0" hangingPunct="1">
-              <a:spcBef>
-                <a:spcPct val="20000"/>
-              </a:spcBef>
-              <a:spcAft>
-                <a:spcPts val="600"/>
-              </a:spcAft>
-              <a:buClr>
-                <a:schemeClr val="accent2"/>
-              </a:buClr>
-              <a:buSzPct val="92000"/>
-              <a:buFont typeface="Wingdings 2" panose="05020102010507070707" pitchFamily="18" charset="2"/>
-              <a:buChar char=""/>
-              <a:defRPr sz="1200" kern="1200">
-                <a:solidFill>
-                  <a:schemeClr val="tx2"/>
-                </a:solidFill>
-                <a:latin typeface="+mn-lt"/>
-                <a:ea typeface="+mn-ea"/>
-                <a:cs typeface="+mn-cs"/>
-              </a:defRPr>
-            </a:lvl8pPr>
-            <a:lvl9pPr marL="2800000" indent="-228600" algn="l" defTabSz="457200" rtl="0" eaLnBrk="1" latinLnBrk="0" hangingPunct="1">
-              <a:spcBef>
-                <a:spcPct val="20000"/>
-              </a:spcBef>
-              <a:spcAft>
-                <a:spcPts val="600"/>
-              </a:spcAft>
-              <a:buClr>
-                <a:schemeClr val="accent2"/>
-              </a:buClr>
-              <a:buSzPct val="92000"/>
-              <a:buFont typeface="Wingdings 2" panose="05020102010507070707" pitchFamily="18" charset="2"/>
-              <a:buChar char=""/>
-              <a:defRPr sz="1200" kern="1200">
-                <a:solidFill>
-                  <a:schemeClr val="tx2"/>
-                </a:solidFill>
-                <a:latin typeface="+mn-lt"/>
-                <a:ea typeface="+mn-ea"/>
-                <a:cs typeface="+mn-cs"/>
-              </a:defRPr>
-            </a:lvl9pPr>
-          </a:lstStyle>
-          <a:p>
-            <a:r>
-              <a:rPr lang="nl-NL" dirty="0" smtClean="0"/>
-              <a:t>PLAATJE</a:t>
-            </a:r>
-          </a:p>
-          <a:p>
-            <a:r>
-              <a:rPr lang="nl-NL" dirty="0" smtClean="0"/>
-              <a:t>VERDELING VD WAARDES</a:t>
-            </a:r>
-          </a:p>
-          <a:p>
-            <a:r>
-              <a:rPr lang="nl-NL" dirty="0" smtClean="0"/>
-              <a:t>GEM/MEDIAAN/ETC</a:t>
-            </a:r>
-            <a:endParaRPr lang="nl-NL" dirty="0"/>
-          </a:p>
-        </p:txBody>
-      </p:sp>
+      </p:pic>
+      <p:pic>
+        <p:nvPicPr>
+          <p:cNvPr id="3075" name="Picture 3" descr="E:\pic1.PNG"/>
+          <p:cNvPicPr>
+            <a:picLocks noChangeAspect="1" noChangeArrowheads="1"/>
+          </p:cNvPicPr>
+          <p:nvPr/>
+        </p:nvPicPr>
+        <p:blipFill>
+          <a:blip r:embed="rId3">
+            <a:extLst>
+              <a:ext uri="{28A0092B-C50C-407E-A947-70E740481C1C}">
+                <a14:useLocalDpi xmlns:a14="http://schemas.microsoft.com/office/drawing/2010/main" val="0"/>
+              </a:ext>
+            </a:extLst>
+          </a:blip>
+          <a:srcRect/>
+          <a:stretch>
+            <a:fillRect/>
+          </a:stretch>
+        </p:blipFill>
+        <p:spPr bwMode="auto">
+          <a:xfrm>
+            <a:off x="232156" y="2466355"/>
+            <a:ext cx="5419979" cy="3025023"/>
+          </a:xfrm>
+          <a:prstGeom prst="rect">
+            <a:avLst/>
+          </a:prstGeom>
+          <a:noFill/>
+          <a:extLst>
+            <a:ext uri="{909E8E84-426E-40DD-AFC4-6F175D3DCCD1}">
+              <a14:hiddenFill xmlns:a14="http://schemas.microsoft.com/office/drawing/2010/main">
+                <a:solidFill>
+                  <a:srgbClr val="FFFFFF"/>
+                </a:solidFill>
+              </a14:hiddenFill>
+            </a:ext>
+          </a:extLst>
+        </p:spPr>
+      </p:pic>
     </p:spTree>
     <p:extLst>
       <p:ext uri="{BB962C8B-B14F-4D97-AF65-F5344CB8AC3E}">
-        <p14:creationId xmlns:p14="http://schemas.microsoft.com/office/powerpoint/2010/main" val="504672693"/>
+        <p14:creationId xmlns:p14="http://schemas.microsoft.com/office/powerpoint/2010/main" val="3527308353"/>
       </p:ext>
     </p:extLst>
   </p:cSld>
@@ -6663,8 +7118,42 @@
           <a:p>
             <a:r>
               <a:rPr lang="en-GB" dirty="0" err="1" smtClean="0"/>
-              <a:t>Uitleg</a:t>
-            </a:r>
+              <a:t>Kies</a:t>
+            </a:r>
+            <a:r>
+              <a:rPr lang="en-GB" dirty="0" smtClean="0"/>
+              <a:t> huis </a:t>
+            </a:r>
+            <a:r>
+              <a:rPr lang="en-GB" dirty="0" err="1" smtClean="0"/>
+              <a:t>en</a:t>
+            </a:r>
+            <a:r>
+              <a:rPr lang="en-GB" dirty="0" smtClean="0"/>
+              <a:t> </a:t>
+            </a:r>
+            <a:r>
+              <a:rPr lang="en-GB" dirty="0" err="1" smtClean="0"/>
+              <a:t>stapgrootte</a:t>
+            </a:r>
+            <a:endParaRPr lang="en-GB" dirty="0" smtClean="0"/>
+          </a:p>
+          <a:p>
+            <a:r>
+              <a:rPr lang="en-GB" dirty="0" err="1" smtClean="0"/>
+              <a:t>Accepteer</a:t>
+            </a:r>
+            <a:r>
+              <a:rPr lang="en-GB" dirty="0" smtClean="0"/>
+              <a:t> </a:t>
+            </a:r>
+            <a:r>
+              <a:rPr lang="en-GB" dirty="0" err="1" smtClean="0"/>
+              <a:t>verbetering</a:t>
+            </a:r>
+            <a:endParaRPr lang="en-GB" dirty="0" smtClean="0"/>
+          </a:p>
+          <a:p>
             <a:endParaRPr lang="en-GB" dirty="0" smtClean="0"/>
           </a:p>
           <a:p>
@@ -6678,98 +7167,313 @@
             </a:r>
             <a:r>
               <a:rPr lang="en-GB" dirty="0" err="1" smtClean="0"/>
-              <a:t>beter</a:t>
-            </a:r>
-            <a:r>
-              <a:rPr lang="en-GB" dirty="0" smtClean="0"/>
-              <a:t> want… </a:t>
-            </a:r>
-            <a:r>
-              <a:rPr lang="en-GB" dirty="0" err="1" smtClean="0"/>
-              <a:t>en</a:t>
-            </a:r>
-            <a:r>
-              <a:rPr lang="en-GB" dirty="0" smtClean="0"/>
-              <a:t> </a:t>
-            </a:r>
-            <a:r>
-              <a:rPr lang="en-GB" dirty="0" err="1" smtClean="0"/>
-              <a:t>hier</a:t>
-            </a:r>
-            <a:r>
-              <a:rPr lang="en-GB" dirty="0" smtClean="0"/>
-              <a:t> is </a:t>
-            </a:r>
-            <a:r>
-              <a:rPr lang="en-GB" dirty="0" err="1" smtClean="0"/>
-              <a:t>plaatje</a:t>
-            </a:r>
-            <a:r>
-              <a:rPr lang="en-GB" dirty="0" smtClean="0"/>
-              <a:t> …</a:t>
-            </a:r>
-          </a:p>
-          <a:p>
-            <a:r>
-              <a:rPr lang="en-GB" dirty="0" err="1" smtClean="0"/>
-              <a:t>Plaajte</a:t>
-            </a:r>
-            <a:r>
-              <a:rPr lang="en-GB" dirty="0" smtClean="0"/>
-              <a:t> van </a:t>
-            </a:r>
-            <a:r>
-              <a:rPr lang="en-GB" dirty="0" err="1" smtClean="0"/>
-              <a:t>startoplossing</a:t>
-            </a:r>
-            <a:r>
-              <a:rPr lang="en-GB" dirty="0" smtClean="0"/>
-              <a:t> </a:t>
-            </a:r>
-            <a:r>
-              <a:rPr lang="en-GB" dirty="0" err="1" smtClean="0"/>
-              <a:t>en</a:t>
-            </a:r>
-            <a:r>
-              <a:rPr lang="en-GB" dirty="0" smtClean="0"/>
-              <a:t> van wat </a:t>
-            </a:r>
-            <a:r>
-              <a:rPr lang="en-GB" dirty="0" err="1" smtClean="0"/>
-              <a:t>stoch</a:t>
-            </a:r>
-            <a:r>
-              <a:rPr lang="en-GB" dirty="0" smtClean="0"/>
-              <a:t> hill </a:t>
-            </a:r>
-            <a:r>
-              <a:rPr lang="en-GB" dirty="0" err="1" smtClean="0"/>
-              <a:t>heeft</a:t>
-            </a:r>
-            <a:r>
-              <a:rPr lang="en-GB" dirty="0" smtClean="0"/>
-              <a:t> </a:t>
-            </a:r>
-            <a:r>
-              <a:rPr lang="en-GB" dirty="0" err="1" smtClean="0"/>
-              <a:t>gedaan</a:t>
-            </a:r>
-            <a:r>
-              <a:rPr lang="en-GB" dirty="0"/>
-              <a:t> </a:t>
-            </a:r>
-            <a:r>
-              <a:rPr lang="en-GB" dirty="0" smtClean="0"/>
-              <a:t>in … </a:t>
-            </a:r>
-            <a:r>
-              <a:rPr lang="en-GB" dirty="0" err="1" smtClean="0"/>
-              <a:t>iteraties</a:t>
-            </a:r>
-            <a:endParaRPr lang="en-GB" dirty="0"/>
+              <a:t>sneller</a:t>
+            </a:r>
+            <a:endParaRPr lang="en-GB" dirty="0" smtClean="0"/>
           </a:p>
         </p:txBody>
       </p:sp>
+      <p:pic>
+        <p:nvPicPr>
+          <p:cNvPr id="4" name="Picture 2"/>
+          <p:cNvPicPr>
+            <a:picLocks noChangeAspect="1" noChangeArrowheads="1"/>
+          </p:cNvPicPr>
+          <p:nvPr/>
+        </p:nvPicPr>
+        <p:blipFill>
+          <a:blip r:embed="rId2">
+            <a:extLst>
+              <a:ext uri="{28A0092B-C50C-407E-A947-70E740481C1C}">
+                <a14:useLocalDpi xmlns:a14="http://schemas.microsoft.com/office/drawing/2010/main" val="0"/>
+              </a:ext>
+            </a:extLst>
+          </a:blip>
+          <a:srcRect/>
+          <a:stretch>
+            <a:fillRect/>
+          </a:stretch>
+        </p:blipFill>
+        <p:spPr bwMode="auto">
+          <a:xfrm>
+            <a:off x="5435598" y="3016883"/>
+            <a:ext cx="1610821" cy="1317945"/>
+          </a:xfrm>
+          <a:prstGeom prst="rect">
+            <a:avLst/>
+          </a:prstGeom>
+          <a:noFill/>
+          <a:ln>
+            <a:noFill/>
+          </a:ln>
+          <a:effectLst/>
+          <a:extLst>
+            <a:ext uri="{909E8E84-426E-40DD-AFC4-6F175D3DCCD1}">
+              <a14:hiddenFill xmlns:a14="http://schemas.microsoft.com/office/drawing/2010/main">
+                <a:solidFill>
+                  <a:schemeClr val="accent1"/>
+                </a:solidFill>
+              </a14:hiddenFill>
+            </a:ext>
+            <a:ext uri="{91240B29-F687-4F45-9708-019B960494DF}">
+              <a14:hiddenLine xmlns:a14="http://schemas.microsoft.com/office/drawing/2010/main" w="9525">
+                <a:solidFill>
+                  <a:schemeClr val="tx1"/>
+                </a:solidFill>
+                <a:miter lim="800000"/>
+                <a:headEnd/>
+                <a:tailEnd/>
+              </a14:hiddenLine>
+            </a:ext>
+            <a:ext uri="{AF507438-7753-43E0-B8FC-AC1667EBCBE1}">
+              <a14:hiddenEffects xmlns:a14="http://schemas.microsoft.com/office/drawing/2010/main">
+                <a:effectLst>
+                  <a:outerShdw dist="35921" dir="2700000" algn="ctr" rotWithShape="0">
+                    <a:schemeClr val="bg2"/>
+                  </a:outerShdw>
+                </a:effectLst>
+              </a14:hiddenEffects>
+            </a:ext>
+          </a:extLst>
+        </p:spPr>
+      </p:pic>
+      <p:cxnSp>
+        <p:nvCxnSpPr>
+          <p:cNvPr id="6" name="Rechte verbindingslijn met pijl 5"/>
+          <p:cNvCxnSpPr>
+            <a:stCxn id="4" idx="0"/>
+          </p:cNvCxnSpPr>
+          <p:nvPr/>
+        </p:nvCxnSpPr>
+        <p:spPr>
+          <a:xfrm flipH="1" flipV="1">
+            <a:off x="6241008" y="2395727"/>
+            <a:ext cx="1" cy="621156"/>
+          </a:xfrm>
+          <a:prstGeom prst="straightConnector1">
+            <a:avLst/>
+          </a:prstGeom>
+          <a:ln w="28575">
+            <a:tailEnd type="arrow"/>
+          </a:ln>
+        </p:spPr>
+        <p:style>
+          <a:lnRef idx="1">
+            <a:schemeClr val="accent1"/>
+          </a:lnRef>
+          <a:fillRef idx="0">
+            <a:schemeClr val="accent1"/>
+          </a:fillRef>
+          <a:effectRef idx="0">
+            <a:schemeClr val="accent1"/>
+          </a:effectRef>
+          <a:fontRef idx="minor">
+            <a:schemeClr val="tx1"/>
+          </a:fontRef>
+        </p:style>
+      </p:cxnSp>
+      <p:cxnSp>
+        <p:nvCxnSpPr>
+          <p:cNvPr id="8" name="Rechte verbindingslijn met pijl 7"/>
+          <p:cNvCxnSpPr>
+            <a:stCxn id="4" idx="3"/>
+          </p:cNvCxnSpPr>
+          <p:nvPr/>
+        </p:nvCxnSpPr>
+        <p:spPr>
+          <a:xfrm flipV="1">
+            <a:off x="7046419" y="3675855"/>
+            <a:ext cx="817421" cy="1"/>
+          </a:xfrm>
+          <a:prstGeom prst="straightConnector1">
+            <a:avLst/>
+          </a:prstGeom>
+          <a:ln w="28575">
+            <a:tailEnd type="arrow"/>
+          </a:ln>
+        </p:spPr>
+        <p:style>
+          <a:lnRef idx="1">
+            <a:schemeClr val="accent1"/>
+          </a:lnRef>
+          <a:fillRef idx="0">
+            <a:schemeClr val="accent1"/>
+          </a:fillRef>
+          <a:effectRef idx="0">
+            <a:schemeClr val="accent1"/>
+          </a:effectRef>
+          <a:fontRef idx="minor">
+            <a:schemeClr val="tx1"/>
+          </a:fontRef>
+        </p:style>
+      </p:cxnSp>
+      <p:cxnSp>
+        <p:nvCxnSpPr>
+          <p:cNvPr id="10" name="Rechte verbindingslijn met pijl 9"/>
+          <p:cNvCxnSpPr>
+            <a:stCxn id="4" idx="2"/>
+          </p:cNvCxnSpPr>
+          <p:nvPr/>
+        </p:nvCxnSpPr>
+        <p:spPr>
+          <a:xfrm flipH="1">
+            <a:off x="6241008" y="4334828"/>
+            <a:ext cx="1" cy="657795"/>
+          </a:xfrm>
+          <a:prstGeom prst="straightConnector1">
+            <a:avLst/>
+          </a:prstGeom>
+          <a:ln w="28575">
+            <a:tailEnd type="arrow"/>
+          </a:ln>
+        </p:spPr>
+        <p:style>
+          <a:lnRef idx="1">
+            <a:schemeClr val="accent1"/>
+          </a:lnRef>
+          <a:fillRef idx="0">
+            <a:schemeClr val="accent1"/>
+          </a:fillRef>
+          <a:effectRef idx="0">
+            <a:schemeClr val="accent1"/>
+          </a:effectRef>
+          <a:fontRef idx="minor">
+            <a:schemeClr val="tx1"/>
+          </a:fontRef>
+        </p:style>
+      </p:cxnSp>
+      <p:cxnSp>
+        <p:nvCxnSpPr>
+          <p:cNvPr id="12" name="Rechte verbindingslijn met pijl 11"/>
+          <p:cNvCxnSpPr>
+            <a:stCxn id="4" idx="1"/>
+          </p:cNvCxnSpPr>
+          <p:nvPr/>
+        </p:nvCxnSpPr>
+        <p:spPr>
+          <a:xfrm flipH="1" flipV="1">
+            <a:off x="4654296" y="3675855"/>
+            <a:ext cx="781302" cy="1"/>
+          </a:xfrm>
+          <a:prstGeom prst="straightConnector1">
+            <a:avLst/>
+          </a:prstGeom>
+          <a:ln w="28575">
+            <a:tailEnd type="arrow"/>
+          </a:ln>
+        </p:spPr>
+        <p:style>
+          <a:lnRef idx="1">
+            <a:schemeClr val="accent1"/>
+          </a:lnRef>
+          <a:fillRef idx="0">
+            <a:schemeClr val="accent1"/>
+          </a:fillRef>
+          <a:effectRef idx="0">
+            <a:schemeClr val="accent1"/>
+          </a:effectRef>
+          <a:fontRef idx="minor">
+            <a:schemeClr val="tx1"/>
+          </a:fontRef>
+        </p:style>
+      </p:cxnSp>
+      <p:pic>
+        <p:nvPicPr>
+          <p:cNvPr id="13" name="Picture 2"/>
+          <p:cNvPicPr>
+            <a:picLocks noChangeAspect="1" noChangeArrowheads="1"/>
+          </p:cNvPicPr>
+          <p:nvPr/>
+        </p:nvPicPr>
+        <p:blipFill>
+          <a:blip r:embed="rId2">
+            <a:extLst>
+              <a:ext uri="{28A0092B-C50C-407E-A947-70E740481C1C}">
+                <a14:useLocalDpi xmlns:a14="http://schemas.microsoft.com/office/drawing/2010/main" val="0"/>
+              </a:ext>
+            </a:extLst>
+          </a:blip>
+          <a:srcRect/>
+          <a:stretch>
+            <a:fillRect/>
+          </a:stretch>
+        </p:blipFill>
+        <p:spPr bwMode="auto">
+          <a:xfrm>
+            <a:off x="9053574" y="3016883"/>
+            <a:ext cx="1610821" cy="1317945"/>
+          </a:xfrm>
+          <a:prstGeom prst="rect">
+            <a:avLst/>
+          </a:prstGeom>
+          <a:noFill/>
+          <a:ln>
+            <a:noFill/>
+          </a:ln>
+          <a:effectLst/>
+          <a:extLst>
+            <a:ext uri="{909E8E84-426E-40DD-AFC4-6F175D3DCCD1}">
+              <a14:hiddenFill xmlns:a14="http://schemas.microsoft.com/office/drawing/2010/main">
+                <a:solidFill>
+                  <a:schemeClr val="accent1"/>
+                </a:solidFill>
+              </a14:hiddenFill>
+            </a:ext>
+            <a:ext uri="{91240B29-F687-4F45-9708-019B960494DF}">
+              <a14:hiddenLine xmlns:a14="http://schemas.microsoft.com/office/drawing/2010/main" w="9525">
+                <a:solidFill>
+                  <a:schemeClr val="tx1"/>
+                </a:solidFill>
+                <a:miter lim="800000"/>
+                <a:headEnd/>
+                <a:tailEnd/>
+              </a14:hiddenLine>
+            </a:ext>
+            <a:ext uri="{AF507438-7753-43E0-B8FC-AC1667EBCBE1}">
+              <a14:hiddenEffects xmlns:a14="http://schemas.microsoft.com/office/drawing/2010/main">
+                <a:effectLst>
+                  <a:outerShdw dist="35921" dir="2700000" algn="ctr" rotWithShape="0">
+                    <a:schemeClr val="bg2"/>
+                  </a:outerShdw>
+                </a:effectLst>
+              </a14:hiddenEffects>
+            </a:ext>
+          </a:extLst>
+        </p:spPr>
+      </p:pic>
+      <p:cxnSp>
+        <p:nvCxnSpPr>
+          <p:cNvPr id="14" name="Rechte verbindingslijn met pijl 13"/>
+          <p:cNvCxnSpPr/>
+          <p:nvPr/>
+        </p:nvCxnSpPr>
+        <p:spPr>
+          <a:xfrm flipV="1">
+            <a:off x="10307042" y="2523744"/>
+            <a:ext cx="437158" cy="535492"/>
+          </a:xfrm>
+          <a:prstGeom prst="straightConnector1">
+            <a:avLst/>
+          </a:prstGeom>
+          <a:ln w="28575">
+            <a:tailEnd type="arrow"/>
+          </a:ln>
+        </p:spPr>
+        <p:style>
+          <a:lnRef idx="1">
+            <a:schemeClr val="accent1"/>
+          </a:lnRef>
+          <a:fillRef idx="0">
+            <a:schemeClr val="accent1"/>
+          </a:fillRef>
+          <a:effectRef idx="0">
+            <a:schemeClr val="accent1"/>
+          </a:effectRef>
+          <a:fontRef idx="minor">
+            <a:schemeClr val="tx1"/>
+          </a:fontRef>
+        </p:style>
+      </p:cxnSp>
     </p:spTree>
     <p:extLst>
       <p:ext uri="{BB962C8B-B14F-4D97-AF65-F5344CB8AC3E}">
@@ -6830,39 +7534,199 @@
           </a:p>
         </p:txBody>
       </p:sp>
-      <p:sp>
-        <p:nvSpPr>
-          <p:cNvPr id="3" name="Tijdelijke aanduiding voor inhoud 2"/>
-          <p:cNvSpPr>
-            <a:spLocks noGrp="1"/>
-          </p:cNvSpPr>
-          <p:nvPr>
-            <p:ph idx="1"/>
-          </p:nvPr>
-        </p:nvSpPr>
-        <p:spPr/>
-        <p:txBody>
-          <a:bodyPr/>
-          <a:lstStyle/>
-          <a:p>
-            <a:r>
-              <a:rPr lang="en-GB" dirty="0" err="1" smtClean="0"/>
-              <a:t>Stap</a:t>
-            </a:r>
-            <a:r>
-              <a:rPr lang="en-GB" dirty="0" smtClean="0"/>
-              <a:t> = alpha beta epsilon</a:t>
-            </a:r>
-          </a:p>
-          <a:p>
-            <a:r>
-              <a:rPr lang="en-GB" dirty="0" smtClean="0"/>
-              <a:t>…..</a:t>
-            </a:r>
-            <a:endParaRPr lang="en-GB" dirty="0"/>
-          </a:p>
-        </p:txBody>
-      </p:sp>
+      <mc:AlternateContent xmlns:mc="http://schemas.openxmlformats.org/markup-compatibility/2006">
+        <mc:Choice xmlns:a14="http://schemas.microsoft.com/office/drawing/2010/main" Requires="a14">
+          <p:sp>
+            <p:nvSpPr>
+              <p:cNvPr id="3" name="Tijdelijke aanduiding voor inhoud 2"/>
+              <p:cNvSpPr>
+                <a:spLocks noGrp="1"/>
+              </p:cNvSpPr>
+              <p:nvPr>
+                <p:ph idx="1"/>
+              </p:nvPr>
+            </p:nvSpPr>
+            <p:spPr>
+              <a:xfrm>
+                <a:off x="389945" y="5579595"/>
+                <a:ext cx="11029615" cy="951133"/>
+              </a:xfrm>
+            </p:spPr>
+            <p:txBody>
+              <a:bodyPr/>
+              <a:lstStyle/>
+              <a:p>
+                <a14:m>
+                  <m:oMath xmlns:m="http://schemas.openxmlformats.org/officeDocument/2006/math">
+                    <m:r>
+                      <a:rPr lang="nl-NL" b="0" i="1" smtClean="0">
+                        <a:latin typeface="Cambria Math"/>
+                      </a:rPr>
+                      <m:t>𝑆𝑡𝑎𝑝</m:t>
+                    </m:r>
+                    <m:r>
+                      <a:rPr lang="nl-NL" b="0" i="1" smtClean="0">
+                        <a:latin typeface="Cambria Math"/>
+                      </a:rPr>
+                      <m:t>= </m:t>
+                    </m:r>
+                    <m:r>
+                      <a:rPr lang="nl-NL" b="0" i="1" smtClean="0">
+                        <a:latin typeface="Cambria Math"/>
+                      </a:rPr>
+                      <m:t>𝛼</m:t>
+                    </m:r>
+                    <m:r>
+                      <a:rPr lang="nl-NL" b="0" i="1" smtClean="0">
+                        <a:latin typeface="Cambria Math"/>
+                      </a:rPr>
+                      <m:t>+</m:t>
+                    </m:r>
+                    <m:r>
+                      <a:rPr lang="nl-NL" b="0" i="1" smtClean="0">
+                        <a:latin typeface="Cambria Math"/>
+                      </a:rPr>
+                      <m:t>𝛽</m:t>
+                    </m:r>
+                    <m:r>
+                      <a:rPr lang="nl-NL" b="0" i="1" smtClean="0">
+                        <a:latin typeface="Cambria Math"/>
+                      </a:rPr>
+                      <m:t>+</m:t>
+                    </m:r>
+                    <m:r>
+                      <a:rPr lang="nl-NL" b="0" i="1" smtClean="0">
+                        <a:latin typeface="Cambria Math"/>
+                      </a:rPr>
+                      <m:t>𝜖</m:t>
+                    </m:r>
+                  </m:oMath>
+                </a14:m>
+                <a:endParaRPr lang="en-GB" dirty="0" smtClean="0"/>
+              </a:p>
+            </p:txBody>
+          </p:sp>
+        </mc:Choice>
+        <mc:Fallback>
+          <p:sp>
+            <p:nvSpPr>
+              <p:cNvPr id="3" name="Tijdelijke aanduiding voor inhoud 2"/>
+              <p:cNvSpPr>
+                <a:spLocks noGrp="1" noRot="1" noChangeAspect="1" noMove="1" noResize="1" noEditPoints="1" noAdjustHandles="1" noChangeArrowheads="1" noChangeShapeType="1" noTextEdit="1"/>
+              </p:cNvSpPr>
+              <p:nvPr>
+                <p:ph idx="1"/>
+              </p:nvPr>
+            </p:nvSpPr>
+            <p:spPr>
+              <a:xfrm>
+                <a:off x="389945" y="5579595"/>
+                <a:ext cx="11029615" cy="951133"/>
+              </a:xfrm>
+              <a:blipFill rotWithShape="1">
+                <a:blip r:embed="rId2"/>
+                <a:stretch>
+                  <a:fillRect l="-221"/>
+                </a:stretch>
+              </a:blipFill>
+            </p:spPr>
+            <p:txBody>
+              <a:bodyPr/>
+              <a:lstStyle/>
+              <a:p>
+                <a:r>
+                  <a:rPr lang="en-GB">
+                    <a:noFill/>
+                  </a:rPr>
+                  <a:t> </a:t>
+                </a:r>
+              </a:p>
+            </p:txBody>
+          </p:sp>
+        </mc:Fallback>
+      </mc:AlternateContent>
+      <p:pic>
+        <p:nvPicPr>
+          <p:cNvPr id="1028" name="Picture 4" descr="E:\Plaatje1.PNG"/>
+          <p:cNvPicPr>
+            <a:picLocks noChangeAspect="1" noChangeArrowheads="1"/>
+          </p:cNvPicPr>
+          <p:nvPr/>
+        </p:nvPicPr>
+        <p:blipFill>
+          <a:blip r:embed="rId3">
+            <a:extLst>
+              <a:ext uri="{28A0092B-C50C-407E-A947-70E740481C1C}">
+                <a14:useLocalDpi xmlns:a14="http://schemas.microsoft.com/office/drawing/2010/main" val="0"/>
+              </a:ext>
+            </a:extLst>
+          </a:blip>
+          <a:srcRect/>
+          <a:stretch>
+            <a:fillRect/>
+          </a:stretch>
+        </p:blipFill>
+        <p:spPr bwMode="auto">
+          <a:xfrm>
+            <a:off x="293043" y="2045343"/>
+            <a:ext cx="6196013" cy="3330575"/>
+          </a:xfrm>
+          <a:prstGeom prst="rect">
+            <a:avLst/>
+          </a:prstGeom>
+          <a:noFill/>
+          <a:extLst>
+            <a:ext uri="{909E8E84-426E-40DD-AFC4-6F175D3DCCD1}">
+              <a14:hiddenFill xmlns:a14="http://schemas.microsoft.com/office/drawing/2010/main">
+                <a:solidFill>
+                  <a:srgbClr val="FFFFFF"/>
+                </a:solidFill>
+              </a14:hiddenFill>
+            </a:ext>
+          </a:extLst>
+        </p:spPr>
+      </p:pic>
+      <p:pic>
+        <p:nvPicPr>
+          <p:cNvPr id="1029" name="Picture 5" descr="E:\Plaatje.PNG"/>
+          <p:cNvPicPr>
+            <a:picLocks noChangeAspect="1" noChangeArrowheads="1"/>
+          </p:cNvPicPr>
+          <p:nvPr/>
+        </p:nvPicPr>
+        <p:blipFill>
+          <a:blip r:embed="rId4">
+            <a:extLst>
+              <a:ext uri="{28A0092B-C50C-407E-A947-70E740481C1C}">
+                <a14:useLocalDpi xmlns:a14="http://schemas.microsoft.com/office/drawing/2010/main" val="0"/>
+              </a:ext>
+            </a:extLst>
+          </a:blip>
+          <a:srcRect/>
+          <a:stretch>
+            <a:fillRect/>
+          </a:stretch>
+        </p:blipFill>
+        <p:spPr bwMode="auto">
+          <a:xfrm>
+            <a:off x="6489056" y="2045343"/>
+            <a:ext cx="5448300" cy="3276600"/>
+          </a:xfrm>
+          <a:prstGeom prst="rect">
+            <a:avLst/>
+          </a:prstGeom>
+          <a:noFill/>
+          <a:extLst>
+            <a:ext uri="{909E8E84-426E-40DD-AFC4-6F175D3DCCD1}">
+              <a14:hiddenFill xmlns:a14="http://schemas.microsoft.com/office/drawing/2010/main">
+                <a:solidFill>
+                  <a:srgbClr val="FFFFFF"/>
+                </a:solidFill>
+              </a14:hiddenFill>
+            </a:ext>
+          </a:extLst>
+        </p:spPr>
+      </p:pic>
     </p:spTree>
     <p:extLst>
       <p:ext uri="{BB962C8B-B14F-4D97-AF65-F5344CB8AC3E}">
@@ -6923,329 +7787,180 @@
           </a:p>
         </p:txBody>
       </p:sp>
-      <p:sp>
-        <p:nvSpPr>
-          <p:cNvPr id="3" name="Tijdelijke aanduiding voor inhoud 2"/>
-          <p:cNvSpPr>
-            <a:spLocks noGrp="1"/>
-          </p:cNvSpPr>
-          <p:nvPr>
-            <p:ph idx="1"/>
-          </p:nvPr>
-        </p:nvSpPr>
-        <p:spPr>
-          <a:xfrm>
-            <a:off x="581193" y="2180496"/>
-            <a:ext cx="3412074" cy="3678303"/>
-          </a:xfrm>
-        </p:spPr>
-        <p:txBody>
-          <a:bodyPr/>
-          <a:lstStyle/>
-          <a:p>
-            <a:r>
-              <a:rPr lang="nl-NL" dirty="0" smtClean="0"/>
-              <a:t>Accepteer verslechteringen:</a:t>
-            </a:r>
-          </a:p>
-          <a:p>
-            <a:pPr lvl="1"/>
-            <a:r>
-              <a:rPr lang="nl-NL" dirty="0" smtClean="0"/>
-              <a:t>Acceptatie kans = e^…</a:t>
-            </a:r>
-          </a:p>
-          <a:p>
-            <a:pPr lvl="1"/>
-            <a:r>
-              <a:rPr lang="nl-NL" dirty="0" smtClean="0"/>
-              <a:t>Verschil = …</a:t>
-            </a:r>
-          </a:p>
-          <a:p>
-            <a:pPr lvl="1"/>
-            <a:r>
-              <a:rPr lang="nl-NL" dirty="0" smtClean="0"/>
-              <a:t>Temperatuur = ….</a:t>
-            </a:r>
-          </a:p>
-          <a:p>
-            <a:pPr lvl="1"/>
-            <a:endParaRPr lang="nl-NL" b="1" dirty="0" smtClean="0"/>
-          </a:p>
-          <a:p>
-            <a:r>
-              <a:rPr lang="nl-NL" dirty="0" smtClean="0"/>
-              <a:t>Temperatuur:</a:t>
-            </a:r>
-          </a:p>
-          <a:p>
-            <a:pPr lvl="1"/>
-            <a:r>
-              <a:rPr lang="nl-NL" dirty="0" smtClean="0"/>
-              <a:t>Lineair:  ….</a:t>
-            </a:r>
-          </a:p>
-          <a:p>
-            <a:pPr lvl="1"/>
-            <a:r>
-              <a:rPr lang="nl-NL" dirty="0" smtClean="0"/>
-              <a:t>…. Deze hebben wij gebruikt</a:t>
-            </a:r>
-            <a:endParaRPr lang="nl-NL" dirty="0"/>
-          </a:p>
-        </p:txBody>
-      </p:sp>
-      <p:sp>
-        <p:nvSpPr>
-          <p:cNvPr id="5" name="Tijdelijke aanduiding voor inhoud 2"/>
-          <p:cNvSpPr txBox="1">
-            <a:spLocks/>
-          </p:cNvSpPr>
-          <p:nvPr/>
-        </p:nvSpPr>
-        <p:spPr>
-          <a:xfrm>
-            <a:off x="6104245" y="3171463"/>
-            <a:ext cx="4775957" cy="2846121"/>
-          </a:xfrm>
-          <a:prstGeom prst="rect">
-            <a:avLst/>
-          </a:prstGeom>
-        </p:spPr>
-        <p:txBody>
-          <a:bodyPr vert="horz" lIns="91440" tIns="45720" rIns="91440" bIns="45720" rtlCol="0" anchor="ctr">
-            <a:normAutofit/>
-          </a:bodyPr>
-          <a:lstStyle>
-            <a:lvl1pPr marL="306000" indent="-306000" algn="l" defTabSz="457200" rtl="0" eaLnBrk="1" latinLnBrk="0" hangingPunct="1">
-              <a:spcBef>
-                <a:spcPct val="20000"/>
-              </a:spcBef>
-              <a:spcAft>
-                <a:spcPts val="600"/>
-              </a:spcAft>
-              <a:buClr>
-                <a:schemeClr val="accent2"/>
-              </a:buClr>
-              <a:buSzPct val="92000"/>
-              <a:buFont typeface="Wingdings 2" panose="05020102010507070707" pitchFamily="18" charset="2"/>
-              <a:buChar char=""/>
-              <a:defRPr sz="1800" kern="1200">
-                <a:solidFill>
-                  <a:schemeClr val="tx2"/>
-                </a:solidFill>
-                <a:latin typeface="+mn-lt"/>
-                <a:ea typeface="+mn-ea"/>
-                <a:cs typeface="+mn-cs"/>
-              </a:defRPr>
-            </a:lvl1pPr>
-            <a:lvl2pPr marL="630000" indent="-306000" algn="l" defTabSz="457200" rtl="0" eaLnBrk="1" latinLnBrk="0" hangingPunct="1">
-              <a:spcBef>
-                <a:spcPct val="20000"/>
-              </a:spcBef>
-              <a:spcAft>
-                <a:spcPts val="600"/>
-              </a:spcAft>
-              <a:buClr>
-                <a:schemeClr val="accent2"/>
-              </a:buClr>
-              <a:buSzPct val="92000"/>
-              <a:buFont typeface="Wingdings 2" panose="05020102010507070707" pitchFamily="18" charset="2"/>
-              <a:buChar char=""/>
-              <a:defRPr sz="1600" kern="1200">
-                <a:solidFill>
-                  <a:schemeClr val="tx2"/>
-                </a:solidFill>
-                <a:latin typeface="+mn-lt"/>
-                <a:ea typeface="+mn-ea"/>
-                <a:cs typeface="+mn-cs"/>
-              </a:defRPr>
-            </a:lvl2pPr>
-            <a:lvl3pPr marL="900000" indent="-270000" algn="l" defTabSz="457200" rtl="0" eaLnBrk="1" latinLnBrk="0" hangingPunct="1">
-              <a:spcBef>
-                <a:spcPct val="20000"/>
-              </a:spcBef>
-              <a:spcAft>
-                <a:spcPts val="600"/>
-              </a:spcAft>
-              <a:buClr>
-                <a:schemeClr val="accent2"/>
-              </a:buClr>
-              <a:buSzPct val="92000"/>
-              <a:buFont typeface="Wingdings 2" panose="05020102010507070707" pitchFamily="18" charset="2"/>
-              <a:buChar char=""/>
-              <a:defRPr sz="1400" kern="1200">
-                <a:solidFill>
-                  <a:schemeClr val="tx2"/>
-                </a:solidFill>
-                <a:latin typeface="+mn-lt"/>
-                <a:ea typeface="+mn-ea"/>
-                <a:cs typeface="+mn-cs"/>
-              </a:defRPr>
-            </a:lvl3pPr>
-            <a:lvl4pPr marL="1242000" indent="-234000" algn="l" defTabSz="457200" rtl="0" eaLnBrk="1" latinLnBrk="0" hangingPunct="1">
-              <a:spcBef>
-                <a:spcPct val="20000"/>
-              </a:spcBef>
-              <a:spcAft>
-                <a:spcPts val="600"/>
-              </a:spcAft>
-              <a:buClr>
-                <a:schemeClr val="accent2"/>
-              </a:buClr>
-              <a:buSzPct val="92000"/>
-              <a:buFont typeface="Wingdings 2" panose="05020102010507070707" pitchFamily="18" charset="2"/>
-              <a:buChar char=""/>
-              <a:defRPr sz="1200" kern="1200">
-                <a:solidFill>
-                  <a:schemeClr val="tx2"/>
-                </a:solidFill>
-                <a:latin typeface="+mn-lt"/>
-                <a:ea typeface="+mn-ea"/>
-                <a:cs typeface="+mn-cs"/>
-              </a:defRPr>
-            </a:lvl4pPr>
-            <a:lvl5pPr marL="1602000" indent="-234000" algn="l" defTabSz="457200" rtl="0" eaLnBrk="1" latinLnBrk="0" hangingPunct="1">
-              <a:spcBef>
-                <a:spcPct val="20000"/>
-              </a:spcBef>
-              <a:spcAft>
-                <a:spcPts val="600"/>
-              </a:spcAft>
-              <a:buClr>
-                <a:schemeClr val="accent2"/>
-              </a:buClr>
-              <a:buSzPct val="92000"/>
-              <a:buFont typeface="Wingdings 2" panose="05020102010507070707" pitchFamily="18" charset="2"/>
-              <a:buChar char=""/>
-              <a:defRPr sz="1200" kern="1200">
-                <a:solidFill>
-                  <a:schemeClr val="tx2"/>
-                </a:solidFill>
-                <a:latin typeface="+mn-lt"/>
-                <a:ea typeface="+mn-ea"/>
-                <a:cs typeface="+mn-cs"/>
-              </a:defRPr>
-            </a:lvl5pPr>
-            <a:lvl6pPr marL="1900000" indent="-228600" algn="l" defTabSz="457200" rtl="0" eaLnBrk="1" latinLnBrk="0" hangingPunct="1">
-              <a:spcBef>
-                <a:spcPct val="20000"/>
-              </a:spcBef>
-              <a:spcAft>
-                <a:spcPts val="600"/>
-              </a:spcAft>
-              <a:buClr>
-                <a:schemeClr val="accent2"/>
-              </a:buClr>
-              <a:buSzPct val="92000"/>
-              <a:buFont typeface="Wingdings 2" panose="05020102010507070707" pitchFamily="18" charset="2"/>
-              <a:buChar char=""/>
-              <a:defRPr sz="1200" kern="1200">
-                <a:solidFill>
-                  <a:schemeClr val="tx2"/>
-                </a:solidFill>
-                <a:latin typeface="+mn-lt"/>
-                <a:ea typeface="+mn-ea"/>
-                <a:cs typeface="+mn-cs"/>
-              </a:defRPr>
-            </a:lvl6pPr>
-            <a:lvl7pPr marL="2200000" indent="-228600" algn="l" defTabSz="457200" rtl="0" eaLnBrk="1" latinLnBrk="0" hangingPunct="1">
-              <a:spcBef>
-                <a:spcPct val="20000"/>
-              </a:spcBef>
-              <a:spcAft>
-                <a:spcPts val="600"/>
-              </a:spcAft>
-              <a:buClr>
-                <a:schemeClr val="accent2"/>
-              </a:buClr>
-              <a:buSzPct val="92000"/>
-              <a:buFont typeface="Wingdings 2" panose="05020102010507070707" pitchFamily="18" charset="2"/>
-              <a:buChar char=""/>
-              <a:defRPr sz="1200" kern="1200">
-                <a:solidFill>
-                  <a:schemeClr val="tx2"/>
-                </a:solidFill>
-                <a:latin typeface="+mn-lt"/>
-                <a:ea typeface="+mn-ea"/>
-                <a:cs typeface="+mn-cs"/>
-              </a:defRPr>
-            </a:lvl7pPr>
-            <a:lvl8pPr marL="2500000" indent="-228600" algn="l" defTabSz="457200" rtl="0" eaLnBrk="1" latinLnBrk="0" hangingPunct="1">
-              <a:spcBef>
-                <a:spcPct val="20000"/>
-              </a:spcBef>
-              <a:spcAft>
-                <a:spcPts val="600"/>
-              </a:spcAft>
-              <a:buClr>
-                <a:schemeClr val="accent2"/>
-              </a:buClr>
-              <a:buSzPct val="92000"/>
-              <a:buFont typeface="Wingdings 2" panose="05020102010507070707" pitchFamily="18" charset="2"/>
-              <a:buChar char=""/>
-              <a:defRPr sz="1200" kern="1200">
-                <a:solidFill>
-                  <a:schemeClr val="tx2"/>
-                </a:solidFill>
-                <a:latin typeface="+mn-lt"/>
-                <a:ea typeface="+mn-ea"/>
-                <a:cs typeface="+mn-cs"/>
-              </a:defRPr>
-            </a:lvl8pPr>
-            <a:lvl9pPr marL="2800000" indent="-228600" algn="l" defTabSz="457200" rtl="0" eaLnBrk="1" latinLnBrk="0" hangingPunct="1">
-              <a:spcBef>
-                <a:spcPct val="20000"/>
-              </a:spcBef>
-              <a:spcAft>
-                <a:spcPts val="600"/>
-              </a:spcAft>
-              <a:buClr>
-                <a:schemeClr val="accent2"/>
-              </a:buClr>
-              <a:buSzPct val="92000"/>
-              <a:buFont typeface="Wingdings 2" panose="05020102010507070707" pitchFamily="18" charset="2"/>
-              <a:buChar char=""/>
-              <a:defRPr sz="1200" kern="1200">
-                <a:solidFill>
-                  <a:schemeClr val="tx2"/>
-                </a:solidFill>
-                <a:latin typeface="+mn-lt"/>
-                <a:ea typeface="+mn-ea"/>
-                <a:cs typeface="+mn-cs"/>
-              </a:defRPr>
-            </a:lvl9pPr>
-          </a:lstStyle>
-          <a:p>
-            <a:r>
-              <a:rPr lang="nl-NL" dirty="0" smtClean="0"/>
-              <a:t>Plaatje start </a:t>
-            </a:r>
-            <a:r>
-              <a:rPr lang="nl-NL" dirty="0" err="1" smtClean="0"/>
-              <a:t>opl</a:t>
-            </a:r>
-            <a:r>
-              <a:rPr lang="nl-NL" dirty="0" smtClean="0"/>
-              <a:t> en sim </a:t>
-            </a:r>
-            <a:r>
-              <a:rPr lang="nl-NL" dirty="0" err="1" smtClean="0"/>
-              <a:t>ann</a:t>
-            </a:r>
-            <a:r>
-              <a:rPr lang="nl-NL" dirty="0" smtClean="0"/>
-              <a:t> </a:t>
-            </a:r>
-            <a:r>
-              <a:rPr lang="nl-NL" dirty="0" err="1" smtClean="0"/>
-              <a:t>opl</a:t>
-            </a:r>
-            <a:endParaRPr lang="nl-NL" dirty="0"/>
-          </a:p>
-        </p:txBody>
-      </p:sp>
+      <mc:AlternateContent xmlns:mc="http://schemas.openxmlformats.org/markup-compatibility/2006">
+        <mc:Choice xmlns:a14="http://schemas.microsoft.com/office/drawing/2010/main" Requires="a14">
+          <p:sp>
+            <p:nvSpPr>
+              <p:cNvPr id="3" name="Tijdelijke aanduiding voor inhoud 2"/>
+              <p:cNvSpPr>
+                <a:spLocks noGrp="1"/>
+              </p:cNvSpPr>
+              <p:nvPr>
+                <p:ph idx="1"/>
+              </p:nvPr>
+            </p:nvSpPr>
+            <p:spPr>
+              <a:xfrm>
+                <a:off x="581192" y="2180496"/>
+                <a:ext cx="5270967" cy="3678303"/>
+              </a:xfrm>
+            </p:spPr>
+            <p:txBody>
+              <a:bodyPr/>
+              <a:lstStyle/>
+              <a:p>
+                <a:r>
+                  <a:rPr lang="nl-NL" dirty="0" smtClean="0"/>
+                  <a:t>Accepteer verslechteringen:</a:t>
+                </a:r>
+              </a:p>
+              <a:p>
+                <a:pPr lvl="1"/>
+                <a:r>
+                  <a:rPr lang="nl-NL" dirty="0" smtClean="0"/>
+                  <a:t>Acceptatie kans = </a:t>
+                </a:r>
+                <a14:m>
+                  <m:oMath xmlns:m="http://schemas.openxmlformats.org/officeDocument/2006/math">
+                    <m:sSup>
+                      <m:sSupPr>
+                        <m:ctrlPr>
+                          <a:rPr lang="nl-NL" b="0" i="1" smtClean="0">
+                            <a:latin typeface="Cambria Math"/>
+                          </a:rPr>
+                        </m:ctrlPr>
+                      </m:sSupPr>
+                      <m:e>
+                        <m:r>
+                          <a:rPr lang="nl-NL" b="0" i="1" smtClean="0">
+                            <a:latin typeface="Cambria Math"/>
+                          </a:rPr>
+                          <m:t>𝑒</m:t>
+                        </m:r>
+                      </m:e>
+                      <m:sup>
+                        <m:f>
+                          <m:fPr>
+                            <m:ctrlPr>
+                              <a:rPr lang="nl-NL" b="0" i="1" smtClean="0">
+                                <a:latin typeface="Cambria Math"/>
+                              </a:rPr>
+                            </m:ctrlPr>
+                          </m:fPr>
+                          <m:num>
+                            <m:r>
+                              <a:rPr lang="nl-NL" b="0" i="1" smtClean="0">
+                                <a:latin typeface="Cambria Math"/>
+                              </a:rPr>
+                              <m:t>𝑣𝑒𝑟𝑏𝑒𝑡𝑒𝑟𝑖𝑛𝑔</m:t>
+                            </m:r>
+                          </m:num>
+                          <m:den>
+                            <m:r>
+                              <a:rPr lang="nl-NL" b="0" i="1" smtClean="0">
+                                <a:latin typeface="Cambria Math"/>
+                              </a:rPr>
+                              <m:t>𝑡𝑒𝑚𝑝𝑒𝑟𝑎𝑡𝑢𝑢𝑟</m:t>
+                            </m:r>
+                            <m:r>
+                              <a:rPr lang="nl-NL" b="0" i="1" smtClean="0">
+                                <a:latin typeface="Cambria Math"/>
+                              </a:rPr>
+                              <m:t> </m:t>
+                            </m:r>
+                            <m:r>
+                              <a:rPr lang="nl-NL" b="0" i="1" smtClean="0">
+                                <a:latin typeface="Cambria Math"/>
+                              </a:rPr>
+                              <m:t>𝑏𝑖𝑗</m:t>
+                            </m:r>
+                            <m:r>
+                              <a:rPr lang="nl-NL" b="0" i="1" smtClean="0">
+                                <a:latin typeface="Cambria Math"/>
+                              </a:rPr>
+                              <m:t> </m:t>
+                            </m:r>
+                            <m:r>
+                              <a:rPr lang="nl-NL" b="0" i="1" smtClean="0">
+                                <a:latin typeface="Cambria Math"/>
+                              </a:rPr>
+                              <m:t>𝑛</m:t>
+                            </m:r>
+                          </m:den>
+                        </m:f>
+                      </m:sup>
+                    </m:sSup>
+                  </m:oMath>
+                </a14:m>
+                <a:endParaRPr lang="nl-NL" dirty="0" smtClean="0"/>
+              </a:p>
+              <a:p>
+                <a:pPr lvl="1"/>
+                <a:endParaRPr lang="nl-NL" b="1" dirty="0" smtClean="0"/>
+              </a:p>
+              <a:p>
+                <a:r>
+                  <a:rPr lang="nl-NL" dirty="0" smtClean="0"/>
+                  <a:t>Temperatuur:</a:t>
+                </a:r>
+              </a:p>
+              <a:p>
+                <a:pPr lvl="1"/>
+                <a:r>
+                  <a:rPr lang="nl-NL" dirty="0" smtClean="0"/>
+                  <a:t>Lineair</a:t>
+                </a:r>
+                <a:endParaRPr lang="nl-NL" dirty="0" smtClean="0"/>
+              </a:p>
+              <a:p>
+                <a:pPr lvl="1"/>
+                <a:r>
+                  <a:rPr lang="nl-NL" dirty="0" smtClean="0"/>
+                  <a:t>Exponentieel</a:t>
+                </a:r>
+                <a:endParaRPr lang="nl-NL" dirty="0"/>
+              </a:p>
+            </p:txBody>
+          </p:sp>
+        </mc:Choice>
+        <mc:Fallback>
+          <p:sp>
+            <p:nvSpPr>
+              <p:cNvPr id="3" name="Tijdelijke aanduiding voor inhoud 2"/>
+              <p:cNvSpPr>
+                <a:spLocks noGrp="1" noRot="1" noChangeAspect="1" noMove="1" noResize="1" noEditPoints="1" noAdjustHandles="1" noChangeArrowheads="1" noChangeShapeType="1" noTextEdit="1"/>
+              </p:cNvSpPr>
+              <p:nvPr>
+                <p:ph idx="1"/>
+              </p:nvPr>
+            </p:nvSpPr>
+            <p:spPr>
+              <a:xfrm>
+                <a:off x="581192" y="2180496"/>
+                <a:ext cx="5270967" cy="3678303"/>
+              </a:xfrm>
+              <a:blipFill rotWithShape="1">
+                <a:blip r:embed="rId2"/>
+                <a:stretch>
+                  <a:fillRect l="-347"/>
+                </a:stretch>
+              </a:blipFill>
+            </p:spPr>
+            <p:txBody>
+              <a:bodyPr/>
+              <a:lstStyle/>
+              <a:p>
+                <a:r>
+                  <a:rPr lang="en-GB">
+                    <a:noFill/>
+                  </a:rPr>
+                  <a:t> </a:t>
+                </a:r>
+              </a:p>
+            </p:txBody>
+          </p:sp>
+        </mc:Fallback>
+      </mc:AlternateContent>
     </p:spTree>
     <p:extLst>
       <p:ext uri="{BB962C8B-B14F-4D97-AF65-F5344CB8AC3E}">
@@ -7327,298 +8042,49 @@
           <a:lstStyle/>
           <a:p>
             <a:r>
-              <a:rPr lang="en-GB" dirty="0" err="1" smtClean="0"/>
-              <a:t>Locaal</a:t>
-            </a:r>
-            <a:r>
-              <a:rPr lang="en-GB" dirty="0" smtClean="0"/>
-              <a:t> maximum</a:t>
+              <a:rPr lang="nl-NL" dirty="0" smtClean="0"/>
+              <a:t>Lokaal maximum</a:t>
             </a:r>
           </a:p>
           <a:p>
             <a:pPr lvl="1"/>
             <a:r>
-              <a:rPr lang="en-GB" dirty="0" err="1" smtClean="0"/>
-              <a:t>Vind</a:t>
-            </a:r>
-            <a:r>
-              <a:rPr lang="en-GB" dirty="0" smtClean="0"/>
-              <a:t> door (</a:t>
-            </a:r>
-            <a:r>
-              <a:rPr lang="en-GB" dirty="0" err="1" smtClean="0"/>
-              <a:t>maximaal</a:t>
-            </a:r>
-            <a:r>
-              <a:rPr lang="en-GB" dirty="0" smtClean="0"/>
-              <a:t>) N </a:t>
-            </a:r>
-            <a:r>
-              <a:rPr lang="en-GB" dirty="0" err="1" smtClean="0"/>
-              <a:t>keer</a:t>
-            </a:r>
-            <a:r>
-              <a:rPr lang="en-GB" dirty="0" smtClean="0"/>
+              <a:rPr lang="nl-NL" dirty="0" smtClean="0"/>
+              <a:t>Vind door (maximaal) N keer stochastische </a:t>
+            </a:r>
+            <a:r>
+              <a:rPr lang="nl-NL" dirty="0" err="1" smtClean="0"/>
+              <a:t>hill</a:t>
+            </a:r>
+            <a:r>
+              <a:rPr lang="nl-NL" dirty="0" smtClean="0"/>
               <a:t> </a:t>
             </a:r>
             <a:r>
-              <a:rPr lang="en-GB" dirty="0" err="1" smtClean="0"/>
-              <a:t>stochastische</a:t>
-            </a:r>
-            <a:r>
-              <a:rPr lang="en-GB" dirty="0" smtClean="0"/>
-              <a:t> hill climbing</a:t>
-            </a:r>
+              <a:rPr lang="nl-NL" dirty="0" err="1" smtClean="0"/>
+              <a:t>climbing</a:t>
+            </a:r>
+            <a:endParaRPr lang="nl-NL" dirty="0" smtClean="0"/>
           </a:p>
           <a:p>
             <a:pPr lvl="1"/>
             <a:r>
-              <a:rPr lang="en-GB" dirty="0" err="1" smtClean="0"/>
-              <a:t>Eruit</a:t>
-            </a:r>
-            <a:r>
-              <a:rPr lang="en-GB" dirty="0" smtClean="0"/>
-              <a:t> door N </a:t>
-            </a:r>
-            <a:r>
-              <a:rPr lang="en-GB" dirty="0" err="1" smtClean="0"/>
-              <a:t>keer</a:t>
-            </a:r>
-            <a:r>
-              <a:rPr lang="en-GB" dirty="0" smtClean="0"/>
-              <a:t> simulated annealing</a:t>
-            </a:r>
-            <a:endParaRPr lang="en-GB" dirty="0"/>
-          </a:p>
-        </p:txBody>
-      </p:sp>
-      <p:sp>
-        <p:nvSpPr>
-          <p:cNvPr id="4" name="Tijdelijke aanduiding voor inhoud 2"/>
-          <p:cNvSpPr txBox="1">
-            <a:spLocks/>
-          </p:cNvSpPr>
-          <p:nvPr/>
-        </p:nvSpPr>
-        <p:spPr>
-          <a:xfrm>
-            <a:off x="6655443" y="2198455"/>
-            <a:ext cx="5152663" cy="3678303"/>
-          </a:xfrm>
-          <a:prstGeom prst="rect">
-            <a:avLst/>
-          </a:prstGeom>
-        </p:spPr>
-        <p:txBody>
-          <a:bodyPr vert="horz" lIns="91440" tIns="45720" rIns="91440" bIns="45720" rtlCol="0" anchor="ctr">
-            <a:normAutofit/>
-          </a:bodyPr>
-          <a:lstStyle>
-            <a:lvl1pPr marL="306000" indent="-306000" algn="l" defTabSz="457200" rtl="0" eaLnBrk="1" latinLnBrk="0" hangingPunct="1">
-              <a:spcBef>
-                <a:spcPct val="20000"/>
-              </a:spcBef>
-              <a:spcAft>
-                <a:spcPts val="600"/>
-              </a:spcAft>
-              <a:buClr>
-                <a:schemeClr val="accent2"/>
-              </a:buClr>
-              <a:buSzPct val="92000"/>
-              <a:buFont typeface="Wingdings 2" panose="05020102010507070707" pitchFamily="18" charset="2"/>
-              <a:buChar char=""/>
-              <a:defRPr sz="1800" kern="1200">
-                <a:solidFill>
-                  <a:schemeClr val="tx2"/>
-                </a:solidFill>
-                <a:latin typeface="+mn-lt"/>
-                <a:ea typeface="+mn-ea"/>
-                <a:cs typeface="+mn-cs"/>
-              </a:defRPr>
-            </a:lvl1pPr>
-            <a:lvl2pPr marL="630000" indent="-306000" algn="l" defTabSz="457200" rtl="0" eaLnBrk="1" latinLnBrk="0" hangingPunct="1">
-              <a:spcBef>
-                <a:spcPct val="20000"/>
-              </a:spcBef>
-              <a:spcAft>
-                <a:spcPts val="600"/>
-              </a:spcAft>
-              <a:buClr>
-                <a:schemeClr val="accent2"/>
-              </a:buClr>
-              <a:buSzPct val="92000"/>
-              <a:buFont typeface="Wingdings 2" panose="05020102010507070707" pitchFamily="18" charset="2"/>
-              <a:buChar char=""/>
-              <a:defRPr sz="1600" kern="1200">
-                <a:solidFill>
-                  <a:schemeClr val="tx2"/>
-                </a:solidFill>
-                <a:latin typeface="+mn-lt"/>
-                <a:ea typeface="+mn-ea"/>
-                <a:cs typeface="+mn-cs"/>
-              </a:defRPr>
-            </a:lvl2pPr>
-            <a:lvl3pPr marL="900000" indent="-270000" algn="l" defTabSz="457200" rtl="0" eaLnBrk="1" latinLnBrk="0" hangingPunct="1">
-              <a:spcBef>
-                <a:spcPct val="20000"/>
-              </a:spcBef>
-              <a:spcAft>
-                <a:spcPts val="600"/>
-              </a:spcAft>
-              <a:buClr>
-                <a:schemeClr val="accent2"/>
-              </a:buClr>
-              <a:buSzPct val="92000"/>
-              <a:buFont typeface="Wingdings 2" panose="05020102010507070707" pitchFamily="18" charset="2"/>
-              <a:buChar char=""/>
-              <a:defRPr sz="1400" kern="1200">
-                <a:solidFill>
-                  <a:schemeClr val="tx2"/>
-                </a:solidFill>
-                <a:latin typeface="+mn-lt"/>
-                <a:ea typeface="+mn-ea"/>
-                <a:cs typeface="+mn-cs"/>
-              </a:defRPr>
-            </a:lvl3pPr>
-            <a:lvl4pPr marL="1242000" indent="-234000" algn="l" defTabSz="457200" rtl="0" eaLnBrk="1" latinLnBrk="0" hangingPunct="1">
-              <a:spcBef>
-                <a:spcPct val="20000"/>
-              </a:spcBef>
-              <a:spcAft>
-                <a:spcPts val="600"/>
-              </a:spcAft>
-              <a:buClr>
-                <a:schemeClr val="accent2"/>
-              </a:buClr>
-              <a:buSzPct val="92000"/>
-              <a:buFont typeface="Wingdings 2" panose="05020102010507070707" pitchFamily="18" charset="2"/>
-              <a:buChar char=""/>
-              <a:defRPr sz="1200" kern="1200">
-                <a:solidFill>
-                  <a:schemeClr val="tx2"/>
-                </a:solidFill>
-                <a:latin typeface="+mn-lt"/>
-                <a:ea typeface="+mn-ea"/>
-                <a:cs typeface="+mn-cs"/>
-              </a:defRPr>
-            </a:lvl4pPr>
-            <a:lvl5pPr marL="1602000" indent="-234000" algn="l" defTabSz="457200" rtl="0" eaLnBrk="1" latinLnBrk="0" hangingPunct="1">
-              <a:spcBef>
-                <a:spcPct val="20000"/>
-              </a:spcBef>
-              <a:spcAft>
-                <a:spcPts val="600"/>
-              </a:spcAft>
-              <a:buClr>
-                <a:schemeClr val="accent2"/>
-              </a:buClr>
-              <a:buSzPct val="92000"/>
-              <a:buFont typeface="Wingdings 2" panose="05020102010507070707" pitchFamily="18" charset="2"/>
-              <a:buChar char=""/>
-              <a:defRPr sz="1200" kern="1200">
-                <a:solidFill>
-                  <a:schemeClr val="tx2"/>
-                </a:solidFill>
-                <a:latin typeface="+mn-lt"/>
-                <a:ea typeface="+mn-ea"/>
-                <a:cs typeface="+mn-cs"/>
-              </a:defRPr>
-            </a:lvl5pPr>
-            <a:lvl6pPr marL="1900000" indent="-228600" algn="l" defTabSz="457200" rtl="0" eaLnBrk="1" latinLnBrk="0" hangingPunct="1">
-              <a:spcBef>
-                <a:spcPct val="20000"/>
-              </a:spcBef>
-              <a:spcAft>
-                <a:spcPts val="600"/>
-              </a:spcAft>
-              <a:buClr>
-                <a:schemeClr val="accent2"/>
-              </a:buClr>
-              <a:buSzPct val="92000"/>
-              <a:buFont typeface="Wingdings 2" panose="05020102010507070707" pitchFamily="18" charset="2"/>
-              <a:buChar char=""/>
-              <a:defRPr sz="1200" kern="1200">
-                <a:solidFill>
-                  <a:schemeClr val="tx2"/>
-                </a:solidFill>
-                <a:latin typeface="+mn-lt"/>
-                <a:ea typeface="+mn-ea"/>
-                <a:cs typeface="+mn-cs"/>
-              </a:defRPr>
-            </a:lvl6pPr>
-            <a:lvl7pPr marL="2200000" indent="-228600" algn="l" defTabSz="457200" rtl="0" eaLnBrk="1" latinLnBrk="0" hangingPunct="1">
-              <a:spcBef>
-                <a:spcPct val="20000"/>
-              </a:spcBef>
-              <a:spcAft>
-                <a:spcPts val="600"/>
-              </a:spcAft>
-              <a:buClr>
-                <a:schemeClr val="accent2"/>
-              </a:buClr>
-              <a:buSzPct val="92000"/>
-              <a:buFont typeface="Wingdings 2" panose="05020102010507070707" pitchFamily="18" charset="2"/>
-              <a:buChar char=""/>
-              <a:defRPr sz="1200" kern="1200">
-                <a:solidFill>
-                  <a:schemeClr val="tx2"/>
-                </a:solidFill>
-                <a:latin typeface="+mn-lt"/>
-                <a:ea typeface="+mn-ea"/>
-                <a:cs typeface="+mn-cs"/>
-              </a:defRPr>
-            </a:lvl7pPr>
-            <a:lvl8pPr marL="2500000" indent="-228600" algn="l" defTabSz="457200" rtl="0" eaLnBrk="1" latinLnBrk="0" hangingPunct="1">
-              <a:spcBef>
-                <a:spcPct val="20000"/>
-              </a:spcBef>
-              <a:spcAft>
-                <a:spcPts val="600"/>
-              </a:spcAft>
-              <a:buClr>
-                <a:schemeClr val="accent2"/>
-              </a:buClr>
-              <a:buSzPct val="92000"/>
-              <a:buFont typeface="Wingdings 2" panose="05020102010507070707" pitchFamily="18" charset="2"/>
-              <a:buChar char=""/>
-              <a:defRPr sz="1200" kern="1200">
-                <a:solidFill>
-                  <a:schemeClr val="tx2"/>
-                </a:solidFill>
-                <a:latin typeface="+mn-lt"/>
-                <a:ea typeface="+mn-ea"/>
-                <a:cs typeface="+mn-cs"/>
-              </a:defRPr>
-            </a:lvl8pPr>
-            <a:lvl9pPr marL="2800000" indent="-228600" algn="l" defTabSz="457200" rtl="0" eaLnBrk="1" latinLnBrk="0" hangingPunct="1">
-              <a:spcBef>
-                <a:spcPct val="20000"/>
-              </a:spcBef>
-              <a:spcAft>
-                <a:spcPts val="600"/>
-              </a:spcAft>
-              <a:buClr>
-                <a:schemeClr val="accent2"/>
-              </a:buClr>
-              <a:buSzPct val="92000"/>
-              <a:buFont typeface="Wingdings 2" panose="05020102010507070707" pitchFamily="18" charset="2"/>
-              <a:buChar char=""/>
-              <a:defRPr sz="1200" kern="1200">
-                <a:solidFill>
-                  <a:schemeClr val="tx2"/>
-                </a:solidFill>
-                <a:latin typeface="+mn-lt"/>
-                <a:ea typeface="+mn-ea"/>
-                <a:cs typeface="+mn-cs"/>
-              </a:defRPr>
-            </a:lvl9pPr>
-          </a:lstStyle>
-          <a:p>
-            <a:r>
-              <a:rPr lang="en-GB" dirty="0" smtClean="0"/>
-              <a:t>PLAATJES OF GWN WAARDE</a:t>
-            </a:r>
-            <a:endParaRPr lang="en-GB" dirty="0"/>
+              <a:rPr lang="nl-NL" dirty="0" smtClean="0"/>
+              <a:t>Eruit door N keer </a:t>
+            </a:r>
+            <a:r>
+              <a:rPr lang="nl-NL" dirty="0" err="1" smtClean="0"/>
+              <a:t>simulated</a:t>
+            </a:r>
+            <a:r>
+              <a:rPr lang="nl-NL" dirty="0" smtClean="0"/>
+              <a:t> </a:t>
+            </a:r>
+            <a:r>
+              <a:rPr lang="nl-NL" dirty="0" err="1" smtClean="0"/>
+              <a:t>annealing</a:t>
+            </a:r>
+            <a:endParaRPr lang="nl-NL" dirty="0"/>
           </a:p>
         </p:txBody>
       </p:sp>
@@ -7703,318 +8169,96 @@
           <a:lstStyle/>
           <a:p>
             <a:r>
-              <a:rPr lang="en-GB" dirty="0" err="1" smtClean="0"/>
-              <a:t>Minimaliseer</a:t>
-            </a:r>
-            <a:r>
-              <a:rPr lang="en-GB" dirty="0" smtClean="0"/>
-              <a:t> </a:t>
-            </a:r>
-            <a:r>
-              <a:rPr lang="en-GB" dirty="0" err="1" smtClean="0"/>
-              <a:t>totaal</a:t>
-            </a:r>
-            <a:r>
-              <a:rPr lang="en-GB" dirty="0" smtClean="0"/>
-              <a:t> </a:t>
-            </a:r>
-            <a:r>
-              <a:rPr lang="en-GB" dirty="0" err="1" smtClean="0"/>
-              <a:t>verschil</a:t>
-            </a:r>
-            <a:r>
-              <a:rPr lang="en-GB" dirty="0" smtClean="0"/>
-              <a:t> ‘</a:t>
-            </a:r>
-            <a:r>
-              <a:rPr lang="en-GB" dirty="0" err="1" smtClean="0"/>
-              <a:t>optimale</a:t>
-            </a:r>
-            <a:r>
-              <a:rPr lang="en-GB" dirty="0" smtClean="0"/>
-              <a:t>’ </a:t>
-            </a:r>
-            <a:r>
-              <a:rPr lang="en-GB" dirty="0" err="1" smtClean="0"/>
+              <a:rPr lang="nl-NL" dirty="0" smtClean="0"/>
+              <a:t>Minimaliseer totaal verschil ‘optimale’ </a:t>
+            </a:r>
+            <a:r>
+              <a:rPr lang="nl-NL" dirty="0" err="1" smtClean="0"/>
               <a:t>vrijstand</a:t>
             </a:r>
             <a:r>
-              <a:rPr lang="en-GB" dirty="0" smtClean="0"/>
-              <a:t> </a:t>
-            </a:r>
-            <a:r>
-              <a:rPr lang="en-GB" dirty="0" err="1" smtClean="0"/>
-              <a:t>en</a:t>
-            </a:r>
-            <a:r>
-              <a:rPr lang="en-GB" dirty="0" smtClean="0"/>
-              <a:t> </a:t>
-            </a:r>
-            <a:r>
-              <a:rPr lang="en-GB" dirty="0" err="1" smtClean="0"/>
-              <a:t>huidige</a:t>
-            </a:r>
-            <a:r>
-              <a:rPr lang="en-GB" dirty="0" smtClean="0"/>
-              <a:t> </a:t>
-            </a:r>
-            <a:r>
-              <a:rPr lang="en-GB" dirty="0" err="1" smtClean="0"/>
+              <a:rPr lang="nl-NL" dirty="0" smtClean="0"/>
+              <a:t> en huidige </a:t>
+            </a:r>
+            <a:r>
+              <a:rPr lang="nl-NL" dirty="0" err="1" smtClean="0"/>
               <a:t>vrijstand</a:t>
             </a:r>
-            <a:endParaRPr lang="en-GB" dirty="0" smtClean="0"/>
-          </a:p>
-          <a:p>
-            <a:r>
-              <a:rPr lang="en-GB" dirty="0" err="1" smtClean="0"/>
-              <a:t>Maximaliseer</a:t>
-            </a:r>
-            <a:r>
-              <a:rPr lang="en-GB" dirty="0" smtClean="0"/>
-              <a:t> </a:t>
-            </a:r>
-            <a:r>
-              <a:rPr lang="en-GB" dirty="0" err="1" smtClean="0"/>
-              <a:t>winst</a:t>
-            </a:r>
-            <a:r>
-              <a:rPr lang="en-GB" dirty="0" smtClean="0"/>
-              <a:t> met combi</a:t>
-            </a:r>
-            <a:endParaRPr lang="en-GB" dirty="0"/>
+            <a:endParaRPr lang="nl-NL" dirty="0" smtClean="0"/>
+          </a:p>
+          <a:p>
+            <a:r>
+              <a:rPr lang="nl-NL" dirty="0" smtClean="0"/>
+              <a:t>Maximaliseer winst met combi</a:t>
+            </a:r>
+            <a:endParaRPr lang="nl-NL" dirty="0"/>
           </a:p>
         </p:txBody>
       </p:sp>
-      <p:sp>
-        <p:nvSpPr>
-          <p:cNvPr id="4" name="Tijdelijke aanduiding voor inhoud 2"/>
-          <p:cNvSpPr txBox="1">
-            <a:spLocks/>
-          </p:cNvSpPr>
+      <p:pic>
+        <p:nvPicPr>
+          <p:cNvPr id="4098" name="Picture 2"/>
+          <p:cNvPicPr>
+            <a:picLocks noChangeAspect="1" noChangeArrowheads="1"/>
+          </p:cNvPicPr>
           <p:nvPr/>
-        </p:nvSpPr>
-        <p:spPr>
+        </p:nvPicPr>
+        <p:blipFill>
+          <a:blip r:embed="rId2">
+            <a:extLst>
+              <a:ext uri="{28A0092B-C50C-407E-A947-70E740481C1C}">
+                <a14:useLocalDpi xmlns:a14="http://schemas.microsoft.com/office/drawing/2010/main" val="0"/>
+              </a:ext>
+            </a:extLst>
+          </a:blip>
+          <a:srcRect/>
+          <a:stretch>
+            <a:fillRect/>
+          </a:stretch>
+        </p:blipFill>
+        <p:spPr bwMode="auto">
           <a:xfrm>
-            <a:off x="6458145" y="2198455"/>
-            <a:ext cx="5152663" cy="3678303"/>
+            <a:off x="5942679" y="3281934"/>
+            <a:ext cx="5567545" cy="1381506"/>
           </a:xfrm>
           <a:prstGeom prst="rect">
             <a:avLst/>
           </a:prstGeom>
+          <a:noFill/>
+          <a:ln>
+            <a:noFill/>
+          </a:ln>
+          <a:effectLst/>
+          <a:extLst>
+            <a:ext uri="{909E8E84-426E-40DD-AFC4-6F175D3DCCD1}">
+              <a14:hiddenFill xmlns:a14="http://schemas.microsoft.com/office/drawing/2010/main">
+                <a:solidFill>
+                  <a:schemeClr val="accent1"/>
+                </a:solidFill>
+              </a14:hiddenFill>
+            </a:ext>
+            <a:ext uri="{91240B29-F687-4F45-9708-019B960494DF}">
+              <a14:hiddenLine xmlns:a14="http://schemas.microsoft.com/office/drawing/2010/main" w="9525">
+                <a:solidFill>
+                  <a:schemeClr val="tx1"/>
+                </a:solidFill>
+                <a:miter lim="800000"/>
+                <a:headEnd/>
+                <a:tailEnd/>
+              </a14:hiddenLine>
+            </a:ext>
+            <a:ext uri="{AF507438-7753-43E0-B8FC-AC1667EBCBE1}">
+              <a14:hiddenEffects xmlns:a14="http://schemas.microsoft.com/office/drawing/2010/main">
+                <a:effectLst>
+                  <a:outerShdw dist="35921" dir="2700000" algn="ctr" rotWithShape="0">
+                    <a:schemeClr val="bg2"/>
+                  </a:outerShdw>
+                </a:effectLst>
+              </a14:hiddenEffects>
+            </a:ext>
+          </a:extLst>
         </p:spPr>
-        <p:txBody>
-          <a:bodyPr vert="horz" lIns="91440" tIns="45720" rIns="91440" bIns="45720" rtlCol="0" anchor="ctr">
-            <a:normAutofit/>
-          </a:bodyPr>
-          <a:lstStyle>
-            <a:lvl1pPr marL="306000" indent="-306000" algn="l" defTabSz="457200" rtl="0" eaLnBrk="1" latinLnBrk="0" hangingPunct="1">
-              <a:spcBef>
-                <a:spcPct val="20000"/>
-              </a:spcBef>
-              <a:spcAft>
-                <a:spcPts val="600"/>
-              </a:spcAft>
-              <a:buClr>
-                <a:schemeClr val="accent2"/>
-              </a:buClr>
-              <a:buSzPct val="92000"/>
-              <a:buFont typeface="Wingdings 2" panose="05020102010507070707" pitchFamily="18" charset="2"/>
-              <a:buChar char=""/>
-              <a:defRPr sz="1800" kern="1200">
-                <a:solidFill>
-                  <a:schemeClr val="tx2"/>
-                </a:solidFill>
-                <a:latin typeface="+mn-lt"/>
-                <a:ea typeface="+mn-ea"/>
-                <a:cs typeface="+mn-cs"/>
-              </a:defRPr>
-            </a:lvl1pPr>
-            <a:lvl2pPr marL="630000" indent="-306000" algn="l" defTabSz="457200" rtl="0" eaLnBrk="1" latinLnBrk="0" hangingPunct="1">
-              <a:spcBef>
-                <a:spcPct val="20000"/>
-              </a:spcBef>
-              <a:spcAft>
-                <a:spcPts val="600"/>
-              </a:spcAft>
-              <a:buClr>
-                <a:schemeClr val="accent2"/>
-              </a:buClr>
-              <a:buSzPct val="92000"/>
-              <a:buFont typeface="Wingdings 2" panose="05020102010507070707" pitchFamily="18" charset="2"/>
-              <a:buChar char=""/>
-              <a:defRPr sz="1600" kern="1200">
-                <a:solidFill>
-                  <a:schemeClr val="tx2"/>
-                </a:solidFill>
-                <a:latin typeface="+mn-lt"/>
-                <a:ea typeface="+mn-ea"/>
-                <a:cs typeface="+mn-cs"/>
-              </a:defRPr>
-            </a:lvl2pPr>
-            <a:lvl3pPr marL="900000" indent="-270000" algn="l" defTabSz="457200" rtl="0" eaLnBrk="1" latinLnBrk="0" hangingPunct="1">
-              <a:spcBef>
-                <a:spcPct val="20000"/>
-              </a:spcBef>
-              <a:spcAft>
-                <a:spcPts val="600"/>
-              </a:spcAft>
-              <a:buClr>
-                <a:schemeClr val="accent2"/>
-              </a:buClr>
-              <a:buSzPct val="92000"/>
-              <a:buFont typeface="Wingdings 2" panose="05020102010507070707" pitchFamily="18" charset="2"/>
-              <a:buChar char=""/>
-              <a:defRPr sz="1400" kern="1200">
-                <a:solidFill>
-                  <a:schemeClr val="tx2"/>
-                </a:solidFill>
-                <a:latin typeface="+mn-lt"/>
-                <a:ea typeface="+mn-ea"/>
-                <a:cs typeface="+mn-cs"/>
-              </a:defRPr>
-            </a:lvl3pPr>
-            <a:lvl4pPr marL="1242000" indent="-234000" algn="l" defTabSz="457200" rtl="0" eaLnBrk="1" latinLnBrk="0" hangingPunct="1">
-              <a:spcBef>
-                <a:spcPct val="20000"/>
-              </a:spcBef>
-              <a:spcAft>
-                <a:spcPts val="600"/>
-              </a:spcAft>
-              <a:buClr>
-                <a:schemeClr val="accent2"/>
-              </a:buClr>
-              <a:buSzPct val="92000"/>
-              <a:buFont typeface="Wingdings 2" panose="05020102010507070707" pitchFamily="18" charset="2"/>
-              <a:buChar char=""/>
-              <a:defRPr sz="1200" kern="1200">
-                <a:solidFill>
-                  <a:schemeClr val="tx2"/>
-                </a:solidFill>
-                <a:latin typeface="+mn-lt"/>
-                <a:ea typeface="+mn-ea"/>
-                <a:cs typeface="+mn-cs"/>
-              </a:defRPr>
-            </a:lvl4pPr>
-            <a:lvl5pPr marL="1602000" indent="-234000" algn="l" defTabSz="457200" rtl="0" eaLnBrk="1" latinLnBrk="0" hangingPunct="1">
-              <a:spcBef>
-                <a:spcPct val="20000"/>
-              </a:spcBef>
-              <a:spcAft>
-                <a:spcPts val="600"/>
-              </a:spcAft>
-              <a:buClr>
-                <a:schemeClr val="accent2"/>
-              </a:buClr>
-              <a:buSzPct val="92000"/>
-              <a:buFont typeface="Wingdings 2" panose="05020102010507070707" pitchFamily="18" charset="2"/>
-              <a:buChar char=""/>
-              <a:defRPr sz="1200" kern="1200">
-                <a:solidFill>
-                  <a:schemeClr val="tx2"/>
-                </a:solidFill>
-                <a:latin typeface="+mn-lt"/>
-                <a:ea typeface="+mn-ea"/>
-                <a:cs typeface="+mn-cs"/>
-              </a:defRPr>
-            </a:lvl5pPr>
-            <a:lvl6pPr marL="1900000" indent="-228600" algn="l" defTabSz="457200" rtl="0" eaLnBrk="1" latinLnBrk="0" hangingPunct="1">
-              <a:spcBef>
-                <a:spcPct val="20000"/>
-              </a:spcBef>
-              <a:spcAft>
-                <a:spcPts val="600"/>
-              </a:spcAft>
-              <a:buClr>
-                <a:schemeClr val="accent2"/>
-              </a:buClr>
-              <a:buSzPct val="92000"/>
-              <a:buFont typeface="Wingdings 2" panose="05020102010507070707" pitchFamily="18" charset="2"/>
-              <a:buChar char=""/>
-              <a:defRPr sz="1200" kern="1200">
-                <a:solidFill>
-                  <a:schemeClr val="tx2"/>
-                </a:solidFill>
-                <a:latin typeface="+mn-lt"/>
-                <a:ea typeface="+mn-ea"/>
-                <a:cs typeface="+mn-cs"/>
-              </a:defRPr>
-            </a:lvl6pPr>
-            <a:lvl7pPr marL="2200000" indent="-228600" algn="l" defTabSz="457200" rtl="0" eaLnBrk="1" latinLnBrk="0" hangingPunct="1">
-              <a:spcBef>
-                <a:spcPct val="20000"/>
-              </a:spcBef>
-              <a:spcAft>
-                <a:spcPts val="600"/>
-              </a:spcAft>
-              <a:buClr>
-                <a:schemeClr val="accent2"/>
-              </a:buClr>
-              <a:buSzPct val="92000"/>
-              <a:buFont typeface="Wingdings 2" panose="05020102010507070707" pitchFamily="18" charset="2"/>
-              <a:buChar char=""/>
-              <a:defRPr sz="1200" kern="1200">
-                <a:solidFill>
-                  <a:schemeClr val="tx2"/>
-                </a:solidFill>
-                <a:latin typeface="+mn-lt"/>
-                <a:ea typeface="+mn-ea"/>
-                <a:cs typeface="+mn-cs"/>
-              </a:defRPr>
-            </a:lvl7pPr>
-            <a:lvl8pPr marL="2500000" indent="-228600" algn="l" defTabSz="457200" rtl="0" eaLnBrk="1" latinLnBrk="0" hangingPunct="1">
-              <a:spcBef>
-                <a:spcPct val="20000"/>
-              </a:spcBef>
-              <a:spcAft>
-                <a:spcPts val="600"/>
-              </a:spcAft>
-              <a:buClr>
-                <a:schemeClr val="accent2"/>
-              </a:buClr>
-              <a:buSzPct val="92000"/>
-              <a:buFont typeface="Wingdings 2" panose="05020102010507070707" pitchFamily="18" charset="2"/>
-              <a:buChar char=""/>
-              <a:defRPr sz="1200" kern="1200">
-                <a:solidFill>
-                  <a:schemeClr val="tx2"/>
-                </a:solidFill>
-                <a:latin typeface="+mn-lt"/>
-                <a:ea typeface="+mn-ea"/>
-                <a:cs typeface="+mn-cs"/>
-              </a:defRPr>
-            </a:lvl8pPr>
-            <a:lvl9pPr marL="2800000" indent="-228600" algn="l" defTabSz="457200" rtl="0" eaLnBrk="1" latinLnBrk="0" hangingPunct="1">
-              <a:spcBef>
-                <a:spcPct val="20000"/>
-              </a:spcBef>
-              <a:spcAft>
-                <a:spcPts val="600"/>
-              </a:spcAft>
-              <a:buClr>
-                <a:schemeClr val="accent2"/>
-              </a:buClr>
-              <a:buSzPct val="92000"/>
-              <a:buFont typeface="Wingdings 2" panose="05020102010507070707" pitchFamily="18" charset="2"/>
-              <a:buChar char=""/>
-              <a:defRPr sz="1200" kern="1200">
-                <a:solidFill>
-                  <a:schemeClr val="tx2"/>
-                </a:solidFill>
-                <a:latin typeface="+mn-lt"/>
-                <a:ea typeface="+mn-ea"/>
-                <a:cs typeface="+mn-cs"/>
-              </a:defRPr>
-            </a:lvl9pPr>
-          </a:lstStyle>
-          <a:p>
-            <a:r>
-              <a:rPr lang="en-GB" dirty="0" smtClean="0"/>
-              <a:t>PLAATJES OF GWN WAARDE</a:t>
-            </a:r>
-            <a:endParaRPr lang="en-GB" dirty="0"/>
-          </a:p>
-        </p:txBody>
-      </p:sp>
+      </p:pic>
     </p:spTree>
     <p:extLst>
       <p:ext uri="{BB962C8B-B14F-4D97-AF65-F5344CB8AC3E}">
@@ -8036,6 +8280,112 @@
 </file>
 
 <file path=ppt/slides/slide18.xml><?xml version="1.0" encoding="utf-8"?>
+<p:sld xmlns:a="http://schemas.openxmlformats.org/drawingml/2006/main" xmlns:r="http://schemas.openxmlformats.org/officeDocument/2006/relationships" xmlns:p="http://schemas.openxmlformats.org/presentationml/2006/main">
+  <p:cSld>
+    <p:spTree>
+      <p:nvGrpSpPr>
+        <p:cNvPr id="1" name=""/>
+        <p:cNvGrpSpPr/>
+        <p:nvPr/>
+      </p:nvGrpSpPr>
+      <p:grpSpPr>
+        <a:xfrm>
+          <a:off x="0" y="0"/>
+          <a:ext cx="0" cy="0"/>
+          <a:chOff x="0" y="0"/>
+          <a:chExt cx="0" cy="0"/>
+        </a:xfrm>
+      </p:grpSpPr>
+      <p:sp>
+        <p:nvSpPr>
+          <p:cNvPr id="2" name="Titel 1"/>
+          <p:cNvSpPr>
+            <a:spLocks noGrp="1"/>
+          </p:cNvSpPr>
+          <p:nvPr>
+            <p:ph type="title"/>
+          </p:nvPr>
+        </p:nvSpPr>
+        <p:spPr/>
+        <p:txBody>
+          <a:bodyPr/>
+          <a:lstStyle/>
+          <a:p>
+            <a:r>
+              <a:rPr lang="en-GB" dirty="0" smtClean="0"/>
+              <a:t>DISCRETE</a:t>
+            </a:r>
+            <a:r>
+              <a:rPr lang="en-GB" dirty="0" smtClean="0"/>
+              <a:t> Brute </a:t>
+            </a:r>
+            <a:r>
+              <a:rPr lang="en-GB" dirty="0" smtClean="0"/>
+              <a:t>force</a:t>
+            </a:r>
+            <a:endParaRPr lang="en-GB" dirty="0"/>
+          </a:p>
+        </p:txBody>
+      </p:sp>
+      <p:sp>
+        <p:nvSpPr>
+          <p:cNvPr id="3" name="Tijdelijke aanduiding voor inhoud 2"/>
+          <p:cNvSpPr>
+            <a:spLocks noGrp="1"/>
+          </p:cNvSpPr>
+          <p:nvPr>
+            <p:ph idx="1"/>
+          </p:nvPr>
+        </p:nvSpPr>
+        <p:spPr/>
+        <p:txBody>
+          <a:bodyPr/>
+          <a:lstStyle/>
+          <a:p>
+            <a:r>
+              <a:rPr lang="en-GB" dirty="0" err="1" smtClean="0"/>
+              <a:t>Veel</a:t>
+            </a:r>
+            <a:r>
+              <a:rPr lang="en-GB" dirty="0" smtClean="0"/>
+              <a:t> </a:t>
+            </a:r>
+            <a:r>
+              <a:rPr lang="en-GB" dirty="0" err="1" smtClean="0"/>
+              <a:t>proberen</a:t>
+            </a:r>
+            <a:endParaRPr lang="en-GB" dirty="0" smtClean="0"/>
+          </a:p>
+          <a:p>
+            <a:r>
+              <a:rPr lang="en-GB" dirty="0" err="1" smtClean="0"/>
+              <a:t>Vergelijking</a:t>
+            </a:r>
+            <a:endParaRPr lang="en-GB" dirty="0"/>
+          </a:p>
+        </p:txBody>
+      </p:sp>
+    </p:spTree>
+    <p:extLst>
+      <p:ext uri="{BB962C8B-B14F-4D97-AF65-F5344CB8AC3E}">
+        <p14:creationId xmlns:p14="http://schemas.microsoft.com/office/powerpoint/2010/main" val="258004078"/>
+      </p:ext>
+    </p:extLst>
+  </p:cSld>
+  <p:clrMapOvr>
+    <a:masterClrMapping/>
+  </p:clrMapOvr>
+  <p:timing>
+    <p:tnLst>
+      <p:par>
+        <p:cTn id="1" dur="indefinite" restart="never" nodeType="tmRoot"/>
+      </p:par>
+    </p:tnLst>
+  </p:timing>
+</p:sld>
+</file>
+
+<file path=ppt/slides/slide19.xml><?xml version="1.0" encoding="utf-8"?>
 <p:sld xmlns:a="http://schemas.openxmlformats.org/drawingml/2006/main" xmlns:r="http://schemas.openxmlformats.org/officeDocument/2006/relationships" xmlns:p="http://schemas.openxmlformats.org/presentationml/2006/main">
   <p:cSld>
     <p:spTree>
@@ -9114,8 +9464,9 @@
           <a:p>
             <a:r>
               <a:rPr lang="nl-NL" dirty="0" smtClean="0"/>
-              <a:t>Maison/villa</a:t>
-            </a:r>
+              <a:t>Maison/Villa</a:t>
+            </a:r>
+            <a:endParaRPr lang="nl-NL" dirty="0" smtClean="0"/>
           </a:p>
           <a:p>
             <a:r>
@@ -9470,6 +9821,7 @@
               <a:rPr lang="nl-NL" dirty="0" smtClean="0"/>
               <a:t>Toestandsruimte</a:t>
             </a:r>
+            <a:endParaRPr lang="nl-NL" dirty="0" smtClean="0"/>
           </a:p>
           <a:p>
             <a:r>
@@ -9548,123 +9900,299 @@
           </a:p>
         </p:txBody>
       </p:sp>
-      <p:sp>
-        <p:nvSpPr>
-          <p:cNvPr id="3" name="Tijdelijke aanduiding voor inhoud 2"/>
-          <p:cNvSpPr>
-            <a:spLocks noGrp="1"/>
-          </p:cNvSpPr>
-          <p:nvPr>
-            <p:ph idx="1"/>
-          </p:nvPr>
-        </p:nvSpPr>
-        <p:spPr/>
-        <p:txBody>
-          <a:bodyPr/>
-          <a:lstStyle/>
-          <a:p>
-            <a:r>
-              <a:rPr lang="en-US" dirty="0" err="1"/>
-              <a:t>Statespace</a:t>
-            </a:r>
-            <a:r>
-              <a:rPr lang="en-US" dirty="0"/>
-              <a:t>:  The(correct)</a:t>
-            </a:r>
-            <a:r>
-              <a:rPr lang="en-US" dirty="0" err="1"/>
-              <a:t>statespace</a:t>
-            </a:r>
-            <a:r>
-              <a:rPr lang="en-US" dirty="0"/>
-              <a:t>  must  be  stated,  explained,  and  the  meaning  </a:t>
-            </a:r>
-            <a:r>
-              <a:rPr lang="en-US" dirty="0" err="1"/>
-              <a:t>discussed.This</a:t>
-            </a:r>
-            <a:r>
-              <a:rPr lang="en-US" dirty="0"/>
-              <a:t>  means  that  the  </a:t>
-            </a:r>
-            <a:r>
-              <a:rPr lang="en-US" dirty="0" err="1"/>
-              <a:t>statespace</a:t>
-            </a:r>
-            <a:r>
-              <a:rPr lang="en-US" dirty="0"/>
-              <a:t>  must  be  </a:t>
-            </a:r>
-            <a:r>
-              <a:rPr lang="en-US" dirty="0" err="1"/>
-              <a:t>analysedfor</a:t>
-            </a:r>
-            <a:r>
-              <a:rPr lang="en-US" dirty="0"/>
-              <a:t>  size,  exactly  or  </a:t>
-            </a:r>
-            <a:r>
-              <a:rPr lang="en-US" dirty="0" err="1"/>
-              <a:t>bounded,and</a:t>
-            </a:r>
-            <a:r>
-              <a:rPr lang="en-US" dirty="0"/>
-              <a:t>  whenever  possible  for  solution  density. </a:t>
-            </a:r>
-            <a:endParaRPr lang="en-US" dirty="0" smtClean="0"/>
-          </a:p>
-          <a:p>
-            <a:endParaRPr lang="en-US" dirty="0"/>
-          </a:p>
-          <a:p>
-            <a:r>
-              <a:rPr lang="en-US" dirty="0" smtClean="0"/>
-              <a:t>??? </a:t>
-            </a:r>
-            <a:r>
-              <a:rPr lang="en-US" dirty="0" err="1" smtClean="0"/>
-              <a:t>Continu</a:t>
-            </a:r>
-            <a:r>
-              <a:rPr lang="en-US" dirty="0" smtClean="0"/>
-              <a:t>/</a:t>
-            </a:r>
-            <a:r>
-              <a:rPr lang="en-US" dirty="0" err="1" smtClean="0"/>
-              <a:t>huisjes</a:t>
-            </a:r>
-            <a:r>
-              <a:rPr lang="en-US" dirty="0" smtClean="0"/>
-              <a:t> </a:t>
-            </a:r>
-            <a:r>
-              <a:rPr lang="en-US" dirty="0" err="1" smtClean="0"/>
-              <a:t>alleen</a:t>
-            </a:r>
-            <a:r>
-              <a:rPr lang="en-US" dirty="0" smtClean="0"/>
-              <a:t> 90 </a:t>
-            </a:r>
-            <a:r>
-              <a:rPr lang="en-US" dirty="0" err="1" smtClean="0"/>
-              <a:t>graden</a:t>
-            </a:r>
-            <a:r>
-              <a:rPr lang="en-US" dirty="0" smtClean="0"/>
-              <a:t> </a:t>
-            </a:r>
-            <a:r>
-              <a:rPr lang="en-US" dirty="0" err="1" smtClean="0"/>
-              <a:t>draaien</a:t>
-            </a:r>
-            <a:r>
-              <a:rPr lang="en-US" dirty="0" smtClean="0"/>
-              <a:t> want …</a:t>
-            </a:r>
-            <a:endParaRPr lang="en-GB" dirty="0"/>
-          </a:p>
-        </p:txBody>
-      </p:sp>
+      <mc:AlternateContent xmlns:mc="http://schemas.openxmlformats.org/markup-compatibility/2006">
+        <mc:Choice xmlns:a14="http://schemas.microsoft.com/office/drawing/2010/main" Requires="a14">
+          <p:sp>
+            <p:nvSpPr>
+              <p:cNvPr id="3" name="Tijdelijke aanduiding voor inhoud 2"/>
+              <p:cNvSpPr>
+                <a:spLocks noGrp="1"/>
+              </p:cNvSpPr>
+              <p:nvPr>
+                <p:ph idx="1"/>
+              </p:nvPr>
+            </p:nvSpPr>
+            <p:spPr/>
+            <p:txBody>
+              <a:bodyPr/>
+              <a:lstStyle/>
+              <a:p>
+                <a:r>
+                  <a:rPr lang="en-US" dirty="0" smtClean="0"/>
+                  <a:t>Discreet:   </a:t>
+                </a:r>
+                <a14:m>
+                  <m:oMath xmlns:m="http://schemas.openxmlformats.org/officeDocument/2006/math">
+                    <m:nary>
+                      <m:naryPr>
+                        <m:chr m:val="∏"/>
+                        <m:ctrlPr>
+                          <a:rPr lang="en-US" i="1" smtClean="0">
+                            <a:latin typeface="Cambria Math"/>
+                          </a:rPr>
+                        </m:ctrlPr>
+                      </m:naryPr>
+                      <m:sub>
+                        <m:r>
+                          <m:rPr>
+                            <m:brk m:alnAt="23"/>
+                          </m:rPr>
+                          <a:rPr lang="nl-NL" b="0" i="1" smtClean="0">
+                            <a:latin typeface="Cambria Math"/>
+                          </a:rPr>
+                          <m:t>𝑗</m:t>
+                        </m:r>
+                        <m:r>
+                          <a:rPr lang="nl-NL" b="0" i="1" smtClean="0">
+                            <a:latin typeface="Cambria Math"/>
+                          </a:rPr>
+                          <m:t>=1</m:t>
+                        </m:r>
+                      </m:sub>
+                      <m:sup>
+                        <m:r>
+                          <a:rPr lang="nl-NL" b="0" i="1" smtClean="0">
+                            <a:latin typeface="Cambria Math"/>
+                          </a:rPr>
+                          <m:t>20 </m:t>
+                        </m:r>
+                        <m:r>
+                          <a:rPr lang="nl-NL" b="0" i="1" smtClean="0">
+                            <a:latin typeface="Cambria Math"/>
+                          </a:rPr>
+                          <m:t>h𝑢𝑖𝑧𝑒𝑛</m:t>
+                        </m:r>
+                      </m:sup>
+                      <m:e>
+                        <m:r>
+                          <a:rPr lang="nl-NL" b="0" i="1" smtClean="0">
+                            <a:latin typeface="Cambria Math"/>
+                          </a:rPr>
+                          <m:t> </m:t>
+                        </m:r>
+                        <m:d>
+                          <m:dPr>
+                            <m:ctrlPr>
+                              <a:rPr lang="nl-NL" b="0" i="1" smtClean="0">
+                                <a:latin typeface="Cambria Math"/>
+                              </a:rPr>
+                            </m:ctrlPr>
+                          </m:dPr>
+                          <m:e>
+                            <m:r>
+                              <a:rPr lang="nl-NL" b="0" i="1" smtClean="0">
+                                <a:latin typeface="Cambria Math"/>
+                              </a:rPr>
+                              <m:t>57600 −</m:t>
+                            </m:r>
+                            <m:nary>
+                              <m:naryPr>
+                                <m:chr m:val="∑"/>
+                                <m:ctrlPr>
+                                  <a:rPr lang="nl-NL" b="0" i="1" smtClean="0">
+                                    <a:latin typeface="Cambria Math"/>
+                                  </a:rPr>
+                                </m:ctrlPr>
+                              </m:naryPr>
+                              <m:sub>
+                                <m:r>
+                                  <m:rPr>
+                                    <m:brk m:alnAt="23"/>
+                                  </m:rPr>
+                                  <a:rPr lang="nl-NL" b="0" i="1" smtClean="0">
+                                    <a:latin typeface="Cambria Math"/>
+                                  </a:rPr>
+                                  <m:t>𝑖</m:t>
+                                </m:r>
+                                <m:r>
+                                  <a:rPr lang="nl-NL" b="0" i="1" smtClean="0">
+                                    <a:latin typeface="Cambria Math"/>
+                                  </a:rPr>
+                                  <m:t>=1</m:t>
+                                </m:r>
+                              </m:sub>
+                              <m:sup>
+                                <m:r>
+                                  <a:rPr lang="nl-NL" b="0" i="1" smtClean="0">
+                                    <a:latin typeface="Cambria Math"/>
+                                  </a:rPr>
+                                  <m:t>𝑗</m:t>
+                                </m:r>
+                              </m:sup>
+                              <m:e>
+                                <m:sSub>
+                                  <m:sSubPr>
+                                    <m:ctrlPr>
+                                      <a:rPr lang="nl-NL" b="0" i="1" smtClean="0">
+                                        <a:latin typeface="Cambria Math"/>
+                                      </a:rPr>
+                                    </m:ctrlPr>
+                                  </m:sSubPr>
+                                  <m:e>
+                                    <m:r>
+                                      <a:rPr lang="nl-NL" b="0" i="1" smtClean="0">
+                                        <a:latin typeface="Cambria Math"/>
+                                      </a:rPr>
+                                      <m:t>𝐻</m:t>
+                                    </m:r>
+                                  </m:e>
+                                  <m:sub>
+                                    <m:r>
+                                      <a:rPr lang="nl-NL" b="0" i="1" smtClean="0">
+                                        <a:latin typeface="Cambria Math"/>
+                                      </a:rPr>
+                                      <m:t>𝑖</m:t>
+                                    </m:r>
+                                  </m:sub>
+                                </m:sSub>
+                                <m:r>
+                                  <a:rPr lang="nl-NL" b="0" i="1" smtClean="0">
+                                    <a:latin typeface="Cambria Math"/>
+                                  </a:rPr>
+                                  <m:t>∗</m:t>
+                                </m:r>
+                                <m:sSub>
+                                  <m:sSubPr>
+                                    <m:ctrlPr>
+                                      <a:rPr lang="nl-NL" b="0" i="1" smtClean="0">
+                                        <a:latin typeface="Cambria Math"/>
+                                      </a:rPr>
+                                    </m:ctrlPr>
+                                  </m:sSubPr>
+                                  <m:e>
+                                    <m:r>
+                                      <a:rPr lang="nl-NL" b="0" i="1" smtClean="0">
+                                        <a:latin typeface="Cambria Math"/>
+                                      </a:rPr>
+                                      <m:t>𝐵</m:t>
+                                    </m:r>
+                                  </m:e>
+                                  <m:sub>
+                                    <m:r>
+                                      <a:rPr lang="nl-NL" b="0" i="1" smtClean="0">
+                                        <a:latin typeface="Cambria Math"/>
+                                      </a:rPr>
+                                      <m:t>𝑖</m:t>
+                                    </m:r>
+                                  </m:sub>
+                                </m:sSub>
+                              </m:e>
+                            </m:nary>
+                          </m:e>
+                        </m:d>
+                        <m:r>
+                          <a:rPr lang="nl-NL" b="0" i="1" smtClean="0">
+                            <a:latin typeface="Cambria Math"/>
+                            <a:ea typeface="Cambria Math"/>
+                          </a:rPr>
+                          <m:t>≈3,9∗</m:t>
+                        </m:r>
+                        <m:sSup>
+                          <m:sSupPr>
+                            <m:ctrlPr>
+                              <a:rPr lang="nl-NL" b="0" i="1" smtClean="0">
+                                <a:latin typeface="Cambria Math"/>
+                                <a:ea typeface="Cambria Math"/>
+                              </a:rPr>
+                            </m:ctrlPr>
+                          </m:sSupPr>
+                          <m:e>
+                            <m:r>
+                              <a:rPr lang="nl-NL" b="0" i="1" smtClean="0">
+                                <a:latin typeface="Cambria Math"/>
+                                <a:ea typeface="Cambria Math"/>
+                              </a:rPr>
+                              <m:t>10</m:t>
+                            </m:r>
+                          </m:e>
+                          <m:sup>
+                            <m:r>
+                              <a:rPr lang="nl-NL" b="0" i="1" smtClean="0">
+                                <a:latin typeface="Cambria Math"/>
+                                <a:ea typeface="Cambria Math"/>
+                              </a:rPr>
+                              <m:t>104</m:t>
+                            </m:r>
+                          </m:sup>
+                        </m:sSup>
+                        <m:r>
+                          <a:rPr lang="nl-NL" b="0" i="1" smtClean="0">
+                            <a:latin typeface="Cambria Math"/>
+                            <a:ea typeface="Cambria Math"/>
+                          </a:rPr>
+                          <m:t> </m:t>
+                        </m:r>
+                      </m:e>
+                    </m:nary>
+                  </m:oMath>
+                </a14:m>
+                <a:endParaRPr lang="en-US" dirty="0"/>
+              </a:p>
+              <a:p>
+                <a:r>
+                  <a:rPr lang="nl-NL" dirty="0" smtClean="0"/>
+                  <a:t>Continu:  </a:t>
+                </a:r>
+                <a14:m>
+                  <m:oMath xmlns:m="http://schemas.openxmlformats.org/officeDocument/2006/math">
+                    <m:r>
+                      <a:rPr lang="nl-NL" i="1" smtClean="0">
+                        <a:latin typeface="Cambria Math"/>
+                      </a:rPr>
+                      <m:t>∞</m:t>
+                    </m:r>
+                  </m:oMath>
+                </a14:m>
+                <a:r>
+                  <a:rPr lang="nl-NL" dirty="0" smtClean="0"/>
+                  <a:t> </a:t>
+                </a:r>
+                <a:endParaRPr lang="nl-NL" dirty="0"/>
+              </a:p>
+              <a:p>
+                <a:r>
+                  <a:rPr lang="nl-NL" dirty="0" smtClean="0"/>
+                  <a:t>Draaien</a:t>
+                </a:r>
+                <a:endParaRPr lang="nl-NL" dirty="0" smtClean="0"/>
+              </a:p>
+            </p:txBody>
+          </p:sp>
+        </mc:Choice>
+        <mc:Fallback>
+          <p:sp>
+            <p:nvSpPr>
+              <p:cNvPr id="3" name="Tijdelijke aanduiding voor inhoud 2"/>
+              <p:cNvSpPr>
+                <a:spLocks noGrp="1" noRot="1" noChangeAspect="1" noMove="1" noResize="1" noEditPoints="1" noAdjustHandles="1" noChangeArrowheads="1" noChangeShapeType="1" noTextEdit="1"/>
+              </p:cNvSpPr>
+              <p:nvPr>
+                <p:ph idx="1"/>
+              </p:nvPr>
+            </p:nvSpPr>
+            <p:spPr>
+              <a:blipFill rotWithShape="1">
+                <a:blip r:embed="rId2"/>
+                <a:stretch>
+                  <a:fillRect l="-166"/>
+                </a:stretch>
+              </a:blipFill>
+            </p:spPr>
+            <p:txBody>
+              <a:bodyPr/>
+              <a:lstStyle/>
+              <a:p>
+                <a:r>
+                  <a:rPr lang="en-GB">
+                    <a:noFill/>
+                  </a:rPr>
+                  <a:t> </a:t>
+                </a:r>
+              </a:p>
+            </p:txBody>
+          </p:sp>
+        </mc:Fallback>
+      </mc:AlternateContent>
     </p:spTree>
     <p:extLst>
       <p:ext uri="{BB962C8B-B14F-4D97-AF65-F5344CB8AC3E}">
@@ -10926,8 +11454,8 @@
           </a:fontRef>
         </p:style>
       </p:cxnSp>
-      <mc:AlternateContent xmlns:mc="http://schemas.openxmlformats.org/markup-compatibility/2006">
-        <mc:Choice xmlns:a14="http://schemas.microsoft.com/office/drawing/2010/main" Requires="a14">
+      <mc:AlternateContent xmlns:mc="http://schemas.openxmlformats.org/markup-compatibility/2006" xmlns:a14="http://schemas.microsoft.com/office/drawing/2010/main">
+        <mc:Choice Requires="a14">
           <p:sp>
             <p:nvSpPr>
               <p:cNvPr id="29" name="Tijdelijke aanduiding voor inhoud 28"/>
@@ -11024,7 +11552,7 @@
             </p:txBody>
           </p:sp>
         </mc:Choice>
-        <mc:Fallback>
+        <mc:Fallback xmlns="">
           <p:sp>
             <p:nvSpPr>
               <p:cNvPr id="29" name="Tijdelijke aanduiding voor inhoud 28"/>
@@ -12550,7 +13078,7 @@
   <a:extraClrSchemeLst/>
   <a:extLst>
     <a:ext uri="{05A4C25C-085E-4340-85A3-A5531E510DB2}">
-      <thm15:themeFamily xmlns:thm15="http://schemas.microsoft.com/office/thememl/2012/main" xmlns="" name="Dividend" id="{9697A71B-4AB7-4A1A-BD5B-BB2D22835B57}" vid="{C21699FF-00E4-43C8-BBCC-D7E5536C3717}"/>
+      <thm15:themeFamily xmlns="" xmlns:thm15="http://schemas.microsoft.com/office/thememl/2012/main" name="Dividend" id="{9697A71B-4AB7-4A1A-BD5B-BB2D22835B57}" vid="{C21699FF-00E4-43C8-BBCC-D7E5536C3717}"/>
     </a:ext>
   </a:extLst>
 </a:theme>
@@ -12845,7 +13373,7 @@
   <a:extraClrSchemeLst/>
   <a:extLst>
     <a:ext uri="{05A4C25C-085E-4340-85A3-A5531E510DB2}">
-      <thm15:themeFamily xmlns:thm15="http://schemas.microsoft.com/office/thememl/2012/main" xmlns="" name="Office Theme" id="{62F939B6-93AF-4DB8-9C6B-D6C7DFDC589F}" vid="{4A3C46E8-61CC-4603-A589-7422A47A8E4A}"/>
+      <thm15:themeFamily xmlns="" xmlns:thm15="http://schemas.microsoft.com/office/thememl/2012/main" name="Office Theme" id="{62F939B6-93AF-4DB8-9C6B-D6C7DFDC589F}" vid="{4A3C46E8-61CC-4603-A589-7422A47A8E4A}"/>
     </a:ext>
   </a:extLst>
 </a:theme>
